--- a/Berkenalan Dengan Vue.pptx
+++ b/Berkenalan Dengan Vue.pptx
@@ -5,25 +5,28 @@
     <p:sldMasterId id="2147483684" r:id="rId1"/>
   </p:sldMasterIdLst>
   <p:notesMasterIdLst>
-    <p:notesMasterId r:id="rId18"/>
+    <p:notesMasterId r:id="rId21"/>
   </p:notesMasterIdLst>
   <p:sldIdLst>
     <p:sldId id="272" r:id="rId2"/>
     <p:sldId id="273" r:id="rId3"/>
-    <p:sldId id="274" r:id="rId4"/>
-    <p:sldId id="275" r:id="rId5"/>
-    <p:sldId id="276" r:id="rId6"/>
-    <p:sldId id="277" r:id="rId7"/>
-    <p:sldId id="278" r:id="rId8"/>
-    <p:sldId id="279" r:id="rId9"/>
-    <p:sldId id="280" r:id="rId10"/>
-    <p:sldId id="281" r:id="rId11"/>
-    <p:sldId id="282" r:id="rId12"/>
-    <p:sldId id="283" r:id="rId13"/>
-    <p:sldId id="284" r:id="rId14"/>
-    <p:sldId id="285" r:id="rId15"/>
-    <p:sldId id="286" r:id="rId16"/>
-    <p:sldId id="287" r:id="rId17"/>
+    <p:sldId id="288" r:id="rId4"/>
+    <p:sldId id="289" r:id="rId5"/>
+    <p:sldId id="290" r:id="rId6"/>
+    <p:sldId id="274" r:id="rId7"/>
+    <p:sldId id="275" r:id="rId8"/>
+    <p:sldId id="276" r:id="rId9"/>
+    <p:sldId id="277" r:id="rId10"/>
+    <p:sldId id="278" r:id="rId11"/>
+    <p:sldId id="279" r:id="rId12"/>
+    <p:sldId id="280" r:id="rId13"/>
+    <p:sldId id="281" r:id="rId14"/>
+    <p:sldId id="282" r:id="rId15"/>
+    <p:sldId id="283" r:id="rId16"/>
+    <p:sldId id="284" r:id="rId17"/>
+    <p:sldId id="285" r:id="rId18"/>
+    <p:sldId id="286" r:id="rId19"/>
+    <p:sldId id="287" r:id="rId20"/>
   </p:sldIdLst>
   <p:sldSz cx="12192000" cy="6858000"/>
   <p:notesSz cx="6858000" cy="9144000"/>
@@ -212,7 +215,7 @@
           <a:p>
             <a:fld id="{71BD4573-58E7-4156-A133-2731F5F8D1A6}" type="datetimeFigureOut">
               <a:rPr lang="en-US" smtClean="0"/>
-              <a:t>9/8/2022</a:t>
+              <a:t>9/9/2022</a:t>
             </a:fld>
             <a:endParaRPr lang="en-US"/>
           </a:p>
@@ -877,7 +880,7 @@
           <a:p>
             <a:fld id="{021A1D30-C0A0-4124-A783-34D9F15FA0FE}" type="datetime1">
               <a:rPr lang="en-US" smtClean="0"/>
-              <a:t>9/8/2022</a:t>
+              <a:t>9/9/2022</a:t>
             </a:fld>
             <a:endParaRPr lang="en-US"/>
           </a:p>
@@ -1061,7 +1064,7 @@
           <a:p>
             <a:fld id="{8D2D5871-AB0F-4B3D-8861-97E78CB7B47E}" type="datetime1">
               <a:rPr lang="en-US" smtClean="0"/>
-              <a:t>9/8/2022</a:t>
+              <a:t>9/9/2022</a:t>
             </a:fld>
             <a:endParaRPr lang="en-US"/>
           </a:p>
@@ -1255,7 +1258,7 @@
           <a:p>
             <a:fld id="{14418406-4C3F-4F3E-80BD-A22568EA37EB}" type="datetime1">
               <a:rPr lang="en-US" smtClean="0"/>
-              <a:t>9/8/2022</a:t>
+              <a:t>9/9/2022</a:t>
             </a:fld>
             <a:endParaRPr lang="en-US"/>
           </a:p>
@@ -1439,7 +1442,7 @@
           <a:p>
             <a:fld id="{65F28077-7188-48C5-8679-2287FAC952E9}" type="datetime1">
               <a:rPr lang="en-US" smtClean="0"/>
-              <a:t>9/8/2022</a:t>
+              <a:t>9/9/2022</a:t>
             </a:fld>
             <a:endParaRPr lang="en-US"/>
           </a:p>
@@ -1686,7 +1689,7 @@
           <a:p>
             <a:fld id="{D2DCB740-6776-4EE9-99FD-96D592FA5A23}" type="datetime1">
               <a:rPr lang="en-US" smtClean="0"/>
-              <a:t>9/8/2022</a:t>
+              <a:t>9/9/2022</a:t>
             </a:fld>
             <a:endParaRPr lang="en-US"/>
           </a:p>
@@ -1969,7 +1972,7 @@
           <a:p>
             <a:fld id="{05F6BD99-6FFD-46C5-B5E2-43A34BDA2566}" type="datetime1">
               <a:rPr lang="en-US" smtClean="0"/>
-              <a:t>9/8/2022</a:t>
+              <a:t>9/9/2022</a:t>
             </a:fld>
             <a:endParaRPr lang="en-US"/>
           </a:p>
@@ -2366,7 +2369,7 @@
           <a:p>
             <a:fld id="{E022678E-214C-4CF8-97C7-95015FB02960}" type="datetime1">
               <a:rPr lang="en-US" smtClean="0"/>
-              <a:t>9/8/2022</a:t>
+              <a:t>9/9/2022</a:t>
             </a:fld>
             <a:endParaRPr lang="en-US"/>
           </a:p>
@@ -2535,7 +2538,7 @@
           <a:p>
             <a:fld id="{D55660E0-FA77-4473-A859-74127B089143}" type="datetime1">
               <a:rPr lang="en-US" smtClean="0"/>
-              <a:t>9/8/2022</a:t>
+              <a:t>9/9/2022</a:t>
             </a:fld>
             <a:endParaRPr lang="en-US"/>
           </a:p>
@@ -2645,7 +2648,7 @@
           <a:p>
             <a:fld id="{3188D7B8-9F07-4899-827D-5F3CFDDEB574}" type="datetime1">
               <a:rPr lang="en-US" smtClean="0"/>
-              <a:t>9/8/2022</a:t>
+              <a:t>9/9/2022</a:t>
             </a:fld>
             <a:endParaRPr lang="en-US"/>
           </a:p>
@@ -2925,7 +2928,7 @@
           <a:p>
             <a:fld id="{B5197C5C-1CD1-417D-A89C-14747F5222C7}" type="datetime1">
               <a:rPr lang="en-US" smtClean="0"/>
-              <a:t>9/8/2022</a:t>
+              <a:t>9/9/2022</a:t>
             </a:fld>
             <a:endParaRPr lang="en-US"/>
           </a:p>
@@ -3278,7 +3281,7 @@
           <a:p>
             <a:fld id="{1359EFBB-CFA1-4AA8-9123-F0B52DBD84FE}" type="datetime1">
               <a:rPr lang="en-US" smtClean="0"/>
-              <a:t>9/8/2022</a:t>
+              <a:t>9/9/2022</a:t>
             </a:fld>
             <a:endParaRPr lang="en-US"/>
           </a:p>
@@ -4312,7 +4315,7 @@
             <a:fld id="{61146459-E3C3-4969-9224-5ED50B492D17}" type="datetime1">
               <a:rPr lang="en-US" smtClean="0"/>
               <a:pPr/>
-              <a:t>9/8/2022</a:t>
+              <a:t>9/9/2022</a:t>
             </a:fld>
             <a:endParaRPr lang="en-US" dirty="0"/>
           </a:p>
@@ -4867,6 +4870,998 @@
           <a:chExt cx="0" cy="0"/>
         </a:xfrm>
       </p:grpSpPr>
+      <p:sp>
+        <p:nvSpPr>
+          <p:cNvPr id="3" name="Content Placeholder 2">
+            <a:extLst>
+              <a:ext uri="{FF2B5EF4-FFF2-40B4-BE49-F238E27FC236}">
+                <a16:creationId xmlns:a16="http://schemas.microsoft.com/office/drawing/2014/main" id="{B6A55F2E-1BB4-D588-F101-56C94AE81D58}"/>
+              </a:ext>
+            </a:extLst>
+          </p:cNvPr>
+          <p:cNvSpPr>
+            <a:spLocks noGrp="1"/>
+          </p:cNvSpPr>
+          <p:nvPr>
+            <p:ph idx="1"/>
+          </p:nvPr>
+        </p:nvSpPr>
+        <p:spPr>
+          <a:xfrm>
+            <a:off x="609600" y="1081825"/>
+            <a:ext cx="10972800" cy="5242775"/>
+          </a:xfrm>
+        </p:spPr>
+        <p:txBody>
+          <a:bodyPr/>
+          <a:lstStyle/>
+          <a:p>
+            <a:pPr marL="0" indent="0">
+              <a:buNone/>
+            </a:pPr>
+            <a:r>
+              <a:rPr lang="en-US" dirty="0"/>
+              <a:t>3. Two Way Binding</a:t>
+            </a:r>
+          </a:p>
+          <a:p>
+            <a:pPr marL="0" indent="0">
+              <a:buNone/>
+            </a:pPr>
+            <a:r>
+              <a:rPr lang="en-US" sz="2000" dirty="0"/>
+              <a:t>Vue.js juga </a:t>
+            </a:r>
+            <a:r>
+              <a:rPr lang="en-US" sz="2000" dirty="0" err="1"/>
+              <a:t>menyediakan</a:t>
+            </a:r>
+            <a:r>
+              <a:rPr lang="en-US" sz="2000" dirty="0"/>
+              <a:t> </a:t>
+            </a:r>
+            <a:r>
+              <a:rPr lang="en-US" sz="2000" dirty="0" err="1"/>
+              <a:t>fitur</a:t>
+            </a:r>
+            <a:r>
+              <a:rPr lang="en-US" sz="2000" dirty="0"/>
+              <a:t> two way data binding yang </a:t>
+            </a:r>
+            <a:r>
+              <a:rPr lang="en-US" sz="2000" dirty="0" err="1"/>
+              <a:t>artinya</a:t>
+            </a:r>
+            <a:r>
+              <a:rPr lang="en-US" sz="2000" dirty="0"/>
+              <a:t> </a:t>
+            </a:r>
+            <a:r>
+              <a:rPr lang="en-US" sz="2000" dirty="0" err="1"/>
+              <a:t>setiap</a:t>
+            </a:r>
+            <a:r>
+              <a:rPr lang="en-US" sz="2000" dirty="0"/>
+              <a:t> </a:t>
+            </a:r>
+            <a:r>
+              <a:rPr lang="en-US" sz="2000" dirty="0" err="1"/>
+              <a:t>perubahan</a:t>
+            </a:r>
+            <a:r>
+              <a:rPr lang="en-US" sz="2000" dirty="0"/>
+              <a:t> pada </a:t>
+            </a:r>
+            <a:r>
+              <a:rPr lang="en-US" sz="2000" dirty="0" err="1"/>
+              <a:t>javascript</a:t>
+            </a:r>
+            <a:r>
+              <a:rPr lang="en-US" sz="2000" dirty="0"/>
+              <a:t> </a:t>
+            </a:r>
+            <a:r>
+              <a:rPr lang="en-US" sz="2000" dirty="0" err="1"/>
+              <a:t>akan</a:t>
+            </a:r>
+            <a:r>
+              <a:rPr lang="en-US" sz="2000" dirty="0"/>
+              <a:t> </a:t>
+            </a:r>
+            <a:r>
+              <a:rPr lang="en-US" sz="2000" dirty="0" err="1"/>
+              <a:t>berpengaruh</a:t>
+            </a:r>
+            <a:r>
+              <a:rPr lang="en-US" sz="2000" dirty="0"/>
+              <a:t> pada view HTML dan </a:t>
+            </a:r>
+            <a:r>
+              <a:rPr lang="en-US" sz="2000" dirty="0" err="1"/>
+              <a:t>sebaliknya.Di</a:t>
+            </a:r>
+            <a:r>
+              <a:rPr lang="en-US" sz="2000" dirty="0"/>
+              <a:t> vue.js </a:t>
+            </a:r>
+            <a:r>
+              <a:rPr lang="en-US" sz="2000" dirty="0" err="1"/>
+              <a:t>kita</a:t>
+            </a:r>
+            <a:r>
+              <a:rPr lang="en-US" sz="2000" dirty="0"/>
+              <a:t> </a:t>
+            </a:r>
+            <a:r>
+              <a:rPr lang="en-US" sz="2000" dirty="0" err="1"/>
+              <a:t>menggunakan</a:t>
+            </a:r>
+            <a:r>
+              <a:rPr lang="en-US" sz="2000" dirty="0"/>
+              <a:t> </a:t>
+            </a:r>
+            <a:r>
+              <a:rPr lang="en-US" sz="2000" b="1" dirty="0"/>
+              <a:t>v-model</a:t>
+            </a:r>
+            <a:r>
+              <a:rPr lang="en-US" sz="2000" dirty="0"/>
+              <a:t> </a:t>
+            </a:r>
+            <a:r>
+              <a:rPr lang="en-US" sz="2000" dirty="0" err="1"/>
+              <a:t>untuk</a:t>
+            </a:r>
+            <a:r>
+              <a:rPr lang="en-US" sz="2000" dirty="0"/>
+              <a:t> </a:t>
+            </a:r>
+            <a:r>
+              <a:rPr lang="en-US" sz="2000" dirty="0" err="1"/>
+              <a:t>melakukan</a:t>
+            </a:r>
+            <a:r>
+              <a:rPr lang="en-US" sz="2000" dirty="0"/>
+              <a:t> two way binding dan </a:t>
+            </a:r>
+            <a:r>
+              <a:rPr lang="en-US" sz="2000" dirty="0" err="1"/>
+              <a:t>biasanya</a:t>
+            </a:r>
+            <a:r>
+              <a:rPr lang="en-US" sz="2000" dirty="0"/>
+              <a:t> </a:t>
+            </a:r>
+            <a:r>
+              <a:rPr lang="en-US" sz="2000" dirty="0" err="1"/>
+              <a:t>sering</a:t>
+            </a:r>
+            <a:r>
+              <a:rPr lang="en-US" sz="2000" dirty="0"/>
+              <a:t> </a:t>
+            </a:r>
+            <a:r>
+              <a:rPr lang="en-US" sz="2000" dirty="0" err="1"/>
+              <a:t>ditempelkan</a:t>
+            </a:r>
+            <a:r>
+              <a:rPr lang="en-US" sz="2000" dirty="0"/>
+              <a:t> pada </a:t>
+            </a:r>
+            <a:r>
+              <a:rPr lang="en-US" sz="2000" dirty="0" err="1"/>
+              <a:t>elemen</a:t>
+            </a:r>
+            <a:r>
+              <a:rPr lang="en-US" sz="2000" dirty="0"/>
+              <a:t> input HTML.</a:t>
+            </a:r>
+          </a:p>
+          <a:p>
+            <a:pPr marL="0" indent="0">
+              <a:buNone/>
+            </a:pPr>
+            <a:endParaRPr lang="en-US" sz="2000" dirty="0"/>
+          </a:p>
+        </p:txBody>
+      </p:sp>
+      <p:pic>
+        <p:nvPicPr>
+          <p:cNvPr id="6" name="Picture 5">
+            <a:extLst>
+              <a:ext uri="{FF2B5EF4-FFF2-40B4-BE49-F238E27FC236}">
+                <a16:creationId xmlns:a16="http://schemas.microsoft.com/office/drawing/2014/main" id="{A50DBFCC-F504-54AA-BB3D-8393EA5179E5}"/>
+              </a:ext>
+            </a:extLst>
+          </p:cNvPr>
+          <p:cNvPicPr>
+            <a:picLocks noChangeAspect="1"/>
+          </p:cNvPicPr>
+          <p:nvPr/>
+        </p:nvPicPr>
+        <p:blipFill>
+          <a:blip r:embed="rId2">
+            <a:extLst>
+              <a:ext uri="{28A0092B-C50C-407E-A947-70E740481C1C}">
+                <a14:useLocalDpi xmlns:a14="http://schemas.microsoft.com/office/drawing/2010/main" val="0"/>
+              </a:ext>
+            </a:extLst>
+          </a:blip>
+          <a:stretch>
+            <a:fillRect/>
+          </a:stretch>
+        </p:blipFill>
+        <p:spPr>
+          <a:xfrm>
+            <a:off x="609599" y="2956864"/>
+            <a:ext cx="4600217" cy="1344680"/>
+          </a:xfrm>
+          <a:prstGeom prst="rect">
+            <a:avLst/>
+          </a:prstGeom>
+        </p:spPr>
+      </p:pic>
+    </p:spTree>
+    <p:extLst>
+      <p:ext uri="{BB962C8B-B14F-4D97-AF65-F5344CB8AC3E}">
+        <p14:creationId xmlns:p14="http://schemas.microsoft.com/office/powerpoint/2010/main" val="2056852325"/>
+      </p:ext>
+    </p:extLst>
+  </p:cSld>
+  <p:clrMapOvr>
+    <a:masterClrMapping/>
+  </p:clrMapOvr>
+  <mc:AlternateContent xmlns:mc="http://schemas.openxmlformats.org/markup-compatibility/2006" xmlns:p14="http://schemas.microsoft.com/office/powerpoint/2010/main">
+    <mc:Choice Requires="p14">
+      <p:transition spd="med" p14:dur="700">
+        <p:fade/>
+      </p:transition>
+    </mc:Choice>
+    <mc:Fallback xmlns="">
+      <p:transition spd="med">
+        <p:fade/>
+      </p:transition>
+    </mc:Fallback>
+  </mc:AlternateContent>
+</p:sld>
+</file>
+
+<file path=ppt/slides/slide11.xml><?xml version="1.0" encoding="utf-8"?>
+<p:sld xmlns:a="http://schemas.openxmlformats.org/drawingml/2006/main" xmlns:r="http://schemas.openxmlformats.org/officeDocument/2006/relationships" xmlns:p="http://schemas.openxmlformats.org/presentationml/2006/main">
+  <p:cSld>
+    <p:spTree>
+      <p:nvGrpSpPr>
+        <p:cNvPr id="1" name=""/>
+        <p:cNvGrpSpPr/>
+        <p:nvPr/>
+      </p:nvGrpSpPr>
+      <p:grpSpPr>
+        <a:xfrm>
+          <a:off x="0" y="0"/>
+          <a:ext cx="0" cy="0"/>
+          <a:chOff x="0" y="0"/>
+          <a:chExt cx="0" cy="0"/>
+        </a:xfrm>
+      </p:grpSpPr>
+      <p:sp>
+        <p:nvSpPr>
+          <p:cNvPr id="3" name="Content Placeholder 2">
+            <a:extLst>
+              <a:ext uri="{FF2B5EF4-FFF2-40B4-BE49-F238E27FC236}">
+                <a16:creationId xmlns:a16="http://schemas.microsoft.com/office/drawing/2014/main" id="{D2F95EFB-19D1-60AF-CEAC-AE96AC647ACE}"/>
+              </a:ext>
+            </a:extLst>
+          </p:cNvPr>
+          <p:cNvSpPr>
+            <a:spLocks noGrp="1"/>
+          </p:cNvSpPr>
+          <p:nvPr>
+            <p:ph idx="1"/>
+          </p:nvPr>
+        </p:nvSpPr>
+        <p:spPr>
+          <a:xfrm>
+            <a:off x="609600" y="1056068"/>
+            <a:ext cx="10972800" cy="5268532"/>
+          </a:xfrm>
+        </p:spPr>
+        <p:txBody>
+          <a:bodyPr/>
+          <a:lstStyle/>
+          <a:p>
+            <a:pPr marL="0" indent="0">
+              <a:buNone/>
+            </a:pPr>
+            <a:r>
+              <a:rPr lang="en-US" dirty="0"/>
+              <a:t>4. Event Binding</a:t>
+            </a:r>
+          </a:p>
+          <a:p>
+            <a:pPr marL="0" indent="0">
+              <a:buNone/>
+            </a:pPr>
+            <a:r>
+              <a:rPr lang="en-US" sz="2000" dirty="0" err="1"/>
+              <a:t>Untuk</a:t>
+            </a:r>
+            <a:r>
+              <a:rPr lang="en-US" sz="2000" dirty="0"/>
+              <a:t> </a:t>
+            </a:r>
+            <a:r>
+              <a:rPr lang="en-US" sz="2000" dirty="0" err="1"/>
+              <a:t>memanggil</a:t>
+            </a:r>
+            <a:r>
+              <a:rPr lang="en-US" sz="2000" dirty="0"/>
+              <a:t> </a:t>
+            </a:r>
+            <a:r>
+              <a:rPr lang="en-US" sz="2000" dirty="0" err="1"/>
+              <a:t>suatu</a:t>
+            </a:r>
+            <a:r>
+              <a:rPr lang="en-US" sz="2000" dirty="0"/>
+              <a:t> event pada </a:t>
+            </a:r>
+            <a:r>
+              <a:rPr lang="en-US" sz="2000" dirty="0" err="1"/>
+              <a:t>javascript</a:t>
+            </a:r>
+            <a:r>
+              <a:rPr lang="en-US" sz="2000" dirty="0"/>
+              <a:t>, Vue.js </a:t>
+            </a:r>
+            <a:r>
+              <a:rPr lang="en-US" sz="2000" dirty="0" err="1"/>
+              <a:t>menggunakan</a:t>
+            </a:r>
+            <a:r>
+              <a:rPr lang="en-US" sz="2000" dirty="0"/>
+              <a:t> </a:t>
+            </a:r>
+            <a:r>
+              <a:rPr lang="en-US" sz="2000" b="1" dirty="0"/>
+              <a:t>v-on</a:t>
+            </a:r>
+            <a:r>
+              <a:rPr lang="en-US" sz="2000" dirty="0"/>
+              <a:t> </a:t>
+            </a:r>
+            <a:r>
+              <a:rPr lang="en-US" sz="2000" dirty="0" err="1"/>
+              <a:t>didalam</a:t>
+            </a:r>
+            <a:r>
+              <a:rPr lang="en-US" sz="2000" dirty="0"/>
+              <a:t> HTML template </a:t>
+            </a:r>
+            <a:r>
+              <a:rPr lang="en-US" sz="2000" dirty="0" err="1"/>
+              <a:t>diikuti</a:t>
+            </a:r>
+            <a:r>
+              <a:rPr lang="en-US" sz="2000" dirty="0"/>
+              <a:t> hook event yang </a:t>
+            </a:r>
+            <a:r>
+              <a:rPr lang="en-US" sz="2000" dirty="0" err="1"/>
+              <a:t>akan</a:t>
+            </a:r>
+            <a:r>
+              <a:rPr lang="en-US" sz="2000" dirty="0"/>
+              <a:t> </a:t>
+            </a:r>
+            <a:r>
+              <a:rPr lang="en-US" sz="2000" dirty="0" err="1"/>
+              <a:t>ditambahkan.Kita</a:t>
+            </a:r>
+            <a:r>
+              <a:rPr lang="en-US" sz="2000" dirty="0"/>
+              <a:t> </a:t>
+            </a:r>
+            <a:r>
+              <a:rPr lang="en-US" sz="2000" dirty="0" err="1"/>
+              <a:t>bisa</a:t>
+            </a:r>
+            <a:r>
+              <a:rPr lang="en-US" sz="2000" dirty="0"/>
+              <a:t> </a:t>
+            </a:r>
+            <a:r>
+              <a:rPr lang="en-US" sz="2000" dirty="0" err="1"/>
+              <a:t>menggunakan</a:t>
+            </a:r>
+            <a:r>
+              <a:rPr lang="en-US" sz="2000" dirty="0"/>
+              <a:t> </a:t>
+            </a:r>
+            <a:r>
+              <a:rPr lang="en-US" sz="2000" dirty="0" err="1"/>
+              <a:t>berbagai</a:t>
+            </a:r>
+            <a:r>
+              <a:rPr lang="en-US" sz="2000" dirty="0"/>
+              <a:t> </a:t>
+            </a:r>
+            <a:r>
+              <a:rPr lang="en-US" sz="2000" dirty="0" err="1"/>
+              <a:t>variasi</a:t>
+            </a:r>
+            <a:r>
+              <a:rPr lang="en-US" sz="2000" dirty="0"/>
+              <a:t> </a:t>
+            </a:r>
+            <a:r>
+              <a:rPr lang="en-US" sz="2000" b="1" dirty="0"/>
+              <a:t>v-on</a:t>
+            </a:r>
+            <a:r>
+              <a:rPr lang="en-US" sz="2000" dirty="0"/>
+              <a:t> </a:t>
+            </a:r>
+            <a:r>
+              <a:rPr lang="en-US" sz="2000" dirty="0" err="1"/>
+              <a:t>seperti</a:t>
+            </a:r>
+            <a:r>
+              <a:rPr lang="en-US" sz="2000" dirty="0"/>
+              <a:t> </a:t>
+            </a:r>
+            <a:r>
+              <a:rPr lang="en-US" sz="2000" b="1" dirty="0" err="1"/>
+              <a:t>v-on:click</a:t>
+            </a:r>
+            <a:r>
+              <a:rPr lang="en-US" sz="2000" b="1" dirty="0"/>
+              <a:t>, </a:t>
+            </a:r>
+            <a:r>
+              <a:rPr lang="en-US" sz="2000" b="1" dirty="0" err="1"/>
+              <a:t>v-on:blur</a:t>
+            </a:r>
+            <a:r>
+              <a:rPr lang="en-US" sz="2000" b="1" dirty="0"/>
+              <a:t>, </a:t>
+            </a:r>
+            <a:r>
+              <a:rPr lang="en-US" sz="2000" b="1" dirty="0" err="1"/>
+              <a:t>v-on:focus</a:t>
+            </a:r>
+            <a:r>
+              <a:rPr lang="en-US" sz="2000" b="1" dirty="0"/>
+              <a:t>, </a:t>
+            </a:r>
+            <a:r>
+              <a:rPr lang="en-US" sz="2000" b="1" dirty="0" err="1"/>
+              <a:t>v-on:change</a:t>
+            </a:r>
+            <a:r>
+              <a:rPr lang="en-US" sz="2000" dirty="0"/>
+              <a:t> dan </a:t>
+            </a:r>
+            <a:r>
+              <a:rPr lang="en-US" sz="2000" dirty="0" err="1"/>
+              <a:t>sebagainya</a:t>
+            </a:r>
+            <a:r>
+              <a:rPr lang="en-US" sz="2000" dirty="0"/>
+              <a:t>.</a:t>
+            </a:r>
+          </a:p>
+          <a:p>
+            <a:pPr marL="0" indent="0">
+              <a:buNone/>
+            </a:pPr>
+            <a:endParaRPr lang="en-US" sz="2000" b="1" dirty="0"/>
+          </a:p>
+          <a:p>
+            <a:pPr marL="0" indent="0">
+              <a:buNone/>
+            </a:pPr>
+            <a:endParaRPr lang="en-US" sz="2000" b="1" dirty="0"/>
+          </a:p>
+          <a:p>
+            <a:pPr marL="0" indent="0">
+              <a:buNone/>
+            </a:pPr>
+            <a:endParaRPr lang="en-US" sz="2000" b="1" dirty="0"/>
+          </a:p>
+          <a:p>
+            <a:pPr marL="0" indent="0">
+              <a:buNone/>
+            </a:pPr>
+            <a:endParaRPr lang="en-US" sz="2000" b="1" dirty="0"/>
+          </a:p>
+          <a:p>
+            <a:pPr marL="0" indent="0">
+              <a:buNone/>
+            </a:pPr>
+            <a:r>
+              <a:rPr lang="en-US" sz="2000" dirty="0"/>
+              <a:t>Vue.js </a:t>
+            </a:r>
+            <a:r>
+              <a:rPr lang="en-US" sz="2000" dirty="0" err="1"/>
+              <a:t>menyediakan</a:t>
+            </a:r>
+            <a:r>
+              <a:rPr lang="en-US" sz="2000" dirty="0"/>
+              <a:t> shortcut </a:t>
+            </a:r>
+            <a:r>
+              <a:rPr lang="en-US" sz="2000" dirty="0" err="1"/>
+              <a:t>untuk</a:t>
+            </a:r>
+            <a:r>
+              <a:rPr lang="en-US" sz="2000" dirty="0"/>
+              <a:t> </a:t>
+            </a:r>
+            <a:r>
+              <a:rPr lang="en-US" sz="2000" dirty="0" err="1"/>
+              <a:t>melakukan</a:t>
+            </a:r>
+            <a:r>
+              <a:rPr lang="en-US" sz="2000" dirty="0"/>
+              <a:t> event binding</a:t>
+            </a:r>
+          </a:p>
+          <a:p>
+            <a:pPr marL="0" indent="0">
+              <a:buNone/>
+            </a:pPr>
+            <a:r>
+              <a:rPr lang="en-US" sz="2000" dirty="0" err="1"/>
+              <a:t>Yaitu</a:t>
+            </a:r>
+            <a:r>
+              <a:rPr lang="en-US" sz="2000" dirty="0"/>
+              <a:t> </a:t>
+            </a:r>
+            <a:r>
+              <a:rPr lang="en-US" sz="2000" dirty="0" err="1"/>
+              <a:t>menggunakan</a:t>
+            </a:r>
+            <a:r>
+              <a:rPr lang="en-US" sz="2000" dirty="0"/>
+              <a:t> </a:t>
+            </a:r>
+            <a:r>
+              <a:rPr lang="en-US" sz="2000" b="1" dirty="0"/>
+              <a:t>@</a:t>
+            </a:r>
+            <a:r>
+              <a:rPr lang="en-US" sz="2000" dirty="0"/>
+              <a:t>, </a:t>
+            </a:r>
+            <a:r>
+              <a:rPr lang="en-US" sz="2000" dirty="0" err="1"/>
+              <a:t>sehingga</a:t>
+            </a:r>
+            <a:r>
+              <a:rPr lang="en-US" sz="2000" dirty="0"/>
+              <a:t> </a:t>
+            </a:r>
+            <a:r>
+              <a:rPr lang="en-US" sz="2000" dirty="0" err="1"/>
+              <a:t>penulisan</a:t>
+            </a:r>
+            <a:r>
+              <a:rPr lang="en-US" sz="2000" dirty="0"/>
+              <a:t> </a:t>
+            </a:r>
+            <a:r>
+              <a:rPr lang="en-US" sz="2000" dirty="0" err="1"/>
+              <a:t>nya</a:t>
+            </a:r>
+            <a:r>
+              <a:rPr lang="en-US" sz="2000" dirty="0"/>
+              <a:t> </a:t>
+            </a:r>
+            <a:r>
+              <a:rPr lang="en-US" sz="2000" dirty="0" err="1"/>
+              <a:t>menjadi</a:t>
+            </a:r>
+            <a:r>
+              <a:rPr lang="en-US" sz="2000" dirty="0"/>
+              <a:t>:</a:t>
+            </a:r>
+          </a:p>
+          <a:p>
+            <a:pPr marL="0" indent="0">
+              <a:buNone/>
+            </a:pPr>
+            <a:r>
+              <a:rPr lang="en-US" sz="2000" b="1" dirty="0"/>
+              <a:t>@click, @blur, @focus, @change</a:t>
+            </a:r>
+          </a:p>
+        </p:txBody>
+      </p:sp>
+      <p:pic>
+        <p:nvPicPr>
+          <p:cNvPr id="5" name="Picture 4">
+            <a:extLst>
+              <a:ext uri="{FF2B5EF4-FFF2-40B4-BE49-F238E27FC236}">
+                <a16:creationId xmlns:a16="http://schemas.microsoft.com/office/drawing/2014/main" id="{490A4E5E-8860-D945-34E2-9E67E4A591E0}"/>
+              </a:ext>
+            </a:extLst>
+          </p:cNvPr>
+          <p:cNvPicPr>
+            <a:picLocks noChangeAspect="1"/>
+          </p:cNvPicPr>
+          <p:nvPr/>
+        </p:nvPicPr>
+        <p:blipFill>
+          <a:blip r:embed="rId2">
+            <a:extLst>
+              <a:ext uri="{28A0092B-C50C-407E-A947-70E740481C1C}">
+                <a14:useLocalDpi xmlns:a14="http://schemas.microsoft.com/office/drawing/2010/main" val="0"/>
+              </a:ext>
+            </a:extLst>
+          </a:blip>
+          <a:stretch>
+            <a:fillRect/>
+          </a:stretch>
+        </p:blipFill>
+        <p:spPr>
+          <a:xfrm>
+            <a:off x="708207" y="2638196"/>
+            <a:ext cx="6627195" cy="955010"/>
+          </a:xfrm>
+          <a:prstGeom prst="rect">
+            <a:avLst/>
+          </a:prstGeom>
+        </p:spPr>
+      </p:pic>
+      <p:pic>
+        <p:nvPicPr>
+          <p:cNvPr id="7" name="Picture 6">
+            <a:extLst>
+              <a:ext uri="{FF2B5EF4-FFF2-40B4-BE49-F238E27FC236}">
+                <a16:creationId xmlns:a16="http://schemas.microsoft.com/office/drawing/2014/main" id="{9071A47D-AC20-2F70-6B5E-C63B4D4D1253}"/>
+              </a:ext>
+            </a:extLst>
+          </p:cNvPr>
+          <p:cNvPicPr>
+            <a:picLocks noChangeAspect="1"/>
+          </p:cNvPicPr>
+          <p:nvPr/>
+        </p:nvPicPr>
+        <p:blipFill>
+          <a:blip r:embed="rId3">
+            <a:extLst>
+              <a:ext uri="{28A0092B-C50C-407E-A947-70E740481C1C}">
+                <a14:useLocalDpi xmlns:a14="http://schemas.microsoft.com/office/drawing/2010/main" val="0"/>
+              </a:ext>
+            </a:extLst>
+          </a:blip>
+          <a:stretch>
+            <a:fillRect/>
+          </a:stretch>
+        </p:blipFill>
+        <p:spPr>
+          <a:xfrm>
+            <a:off x="7820495" y="2638196"/>
+            <a:ext cx="3761905" cy="2866667"/>
+          </a:xfrm>
+          <a:prstGeom prst="rect">
+            <a:avLst/>
+          </a:prstGeom>
+        </p:spPr>
+      </p:pic>
+    </p:spTree>
+    <p:extLst>
+      <p:ext uri="{BB962C8B-B14F-4D97-AF65-F5344CB8AC3E}">
+        <p14:creationId xmlns:p14="http://schemas.microsoft.com/office/powerpoint/2010/main" val="3138137776"/>
+      </p:ext>
+    </p:extLst>
+  </p:cSld>
+  <p:clrMapOvr>
+    <a:masterClrMapping/>
+  </p:clrMapOvr>
+  <mc:AlternateContent xmlns:mc="http://schemas.openxmlformats.org/markup-compatibility/2006" xmlns:p14="http://schemas.microsoft.com/office/powerpoint/2010/main">
+    <mc:Choice Requires="p14">
+      <p:transition spd="med" p14:dur="700">
+        <p:fade/>
+      </p:transition>
+    </mc:Choice>
+    <mc:Fallback xmlns="">
+      <p:transition spd="med">
+        <p:fade/>
+      </p:transition>
+    </mc:Fallback>
+  </mc:AlternateContent>
+</p:sld>
+</file>
+
+<file path=ppt/slides/slide12.xml><?xml version="1.0" encoding="utf-8"?>
+<p:sld xmlns:a="http://schemas.openxmlformats.org/drawingml/2006/main" xmlns:r="http://schemas.openxmlformats.org/officeDocument/2006/relationships" xmlns:p="http://schemas.openxmlformats.org/presentationml/2006/main">
+  <p:cSld>
+    <p:spTree>
+      <p:nvGrpSpPr>
+        <p:cNvPr id="1" name=""/>
+        <p:cNvGrpSpPr/>
+        <p:nvPr/>
+      </p:nvGrpSpPr>
+      <p:grpSpPr>
+        <a:xfrm>
+          <a:off x="0" y="0"/>
+          <a:ext cx="0" cy="0"/>
+          <a:chOff x="0" y="0"/>
+          <a:chExt cx="0" cy="0"/>
+        </a:xfrm>
+      </p:grpSpPr>
+      <p:sp>
+        <p:nvSpPr>
+          <p:cNvPr id="2" name="Title 1">
+            <a:extLst>
+              <a:ext uri="{FF2B5EF4-FFF2-40B4-BE49-F238E27FC236}">
+                <a16:creationId xmlns:a16="http://schemas.microsoft.com/office/drawing/2014/main" id="{98C179DA-BA6B-40B8-55B2-1B04CC3B3395}"/>
+              </a:ext>
+            </a:extLst>
+          </p:cNvPr>
+          <p:cNvSpPr>
+            <a:spLocks noGrp="1"/>
+          </p:cNvSpPr>
+          <p:nvPr>
+            <p:ph type="title"/>
+          </p:nvPr>
+        </p:nvSpPr>
+        <p:spPr/>
+        <p:txBody>
+          <a:bodyPr/>
+          <a:lstStyle/>
+          <a:p>
+            <a:r>
+              <a:rPr lang="en-US" dirty="0"/>
+              <a:t>Data, Methods dan Props</a:t>
+            </a:r>
+          </a:p>
+        </p:txBody>
+      </p:sp>
+      <p:sp>
+        <p:nvSpPr>
+          <p:cNvPr id="3" name="Content Placeholder 2">
+            <a:extLst>
+              <a:ext uri="{FF2B5EF4-FFF2-40B4-BE49-F238E27FC236}">
+                <a16:creationId xmlns:a16="http://schemas.microsoft.com/office/drawing/2014/main" id="{C0F3BBF9-1223-A34C-13A1-DFB8B27F9F30}"/>
+              </a:ext>
+            </a:extLst>
+          </p:cNvPr>
+          <p:cNvSpPr>
+            <a:spLocks noGrp="1"/>
+          </p:cNvSpPr>
+          <p:nvPr>
+            <p:ph idx="1"/>
+          </p:nvPr>
+        </p:nvSpPr>
+        <p:spPr/>
+        <p:txBody>
+          <a:bodyPr/>
+          <a:lstStyle/>
+          <a:p>
+            <a:pPr marL="0" indent="0">
+              <a:buNone/>
+            </a:pPr>
+            <a:r>
+              <a:rPr lang="en-US" dirty="0"/>
+              <a:t>Ketika </a:t>
+            </a:r>
+            <a:r>
+              <a:rPr lang="en-US" dirty="0" err="1"/>
+              <a:t>menggunakan</a:t>
+            </a:r>
+            <a:r>
+              <a:rPr lang="en-US" dirty="0"/>
+              <a:t> Vue.js </a:t>
+            </a:r>
+            <a:r>
+              <a:rPr lang="en-US" dirty="0" err="1"/>
+              <a:t>kita</a:t>
+            </a:r>
+            <a:r>
+              <a:rPr lang="en-US" dirty="0"/>
+              <a:t> </a:t>
+            </a:r>
+            <a:r>
+              <a:rPr lang="en-US" dirty="0" err="1"/>
+              <a:t>akan</a:t>
+            </a:r>
+            <a:r>
+              <a:rPr lang="en-US" dirty="0"/>
+              <a:t> </a:t>
+            </a:r>
+            <a:r>
+              <a:rPr lang="en-US" dirty="0" err="1"/>
+              <a:t>sering</a:t>
+            </a:r>
+            <a:r>
+              <a:rPr lang="en-US" dirty="0"/>
+              <a:t> </a:t>
+            </a:r>
+            <a:r>
+              <a:rPr lang="en-US" dirty="0" err="1"/>
+              <a:t>menggunakan</a:t>
+            </a:r>
+            <a:r>
+              <a:rPr lang="en-US" dirty="0"/>
+              <a:t> </a:t>
+            </a:r>
+            <a:r>
+              <a:rPr lang="en-US" dirty="0" err="1"/>
+              <a:t>dengan</a:t>
+            </a:r>
+            <a:r>
+              <a:rPr lang="en-US" dirty="0"/>
+              <a:t> data, methods dan juga props.</a:t>
+            </a:r>
+          </a:p>
+          <a:p>
+            <a:pPr marL="514350" indent="-514350">
+              <a:buAutoNum type="arabicPeriod"/>
+            </a:pPr>
+            <a:r>
+              <a:rPr lang="en-US" dirty="0"/>
+              <a:t>Data</a:t>
+            </a:r>
+          </a:p>
+          <a:p>
+            <a:pPr marL="0" indent="0">
+              <a:buNone/>
+            </a:pPr>
+            <a:r>
+              <a:rPr lang="en-US" dirty="0"/>
+              <a:t>Data </a:t>
+            </a:r>
+            <a:r>
+              <a:rPr lang="en-US" dirty="0" err="1"/>
+              <a:t>dalam</a:t>
+            </a:r>
+            <a:r>
+              <a:rPr lang="en-US" dirty="0"/>
+              <a:t> Vue.js </a:t>
+            </a:r>
+            <a:r>
+              <a:rPr lang="en-US" dirty="0" err="1"/>
+              <a:t>merupakan</a:t>
+            </a:r>
+            <a:r>
+              <a:rPr lang="en-US" dirty="0"/>
+              <a:t> </a:t>
+            </a:r>
+            <a:r>
+              <a:rPr lang="en-US" dirty="0" err="1"/>
+              <a:t>sekumpulan</a:t>
+            </a:r>
+            <a:r>
+              <a:rPr lang="en-US" dirty="0"/>
+              <a:t> variable yang </a:t>
+            </a:r>
+            <a:r>
+              <a:rPr lang="en-US" dirty="0" err="1"/>
+              <a:t>digunakan</a:t>
+            </a:r>
+            <a:r>
+              <a:rPr lang="en-US" dirty="0"/>
+              <a:t> oleh HTML template dan </a:t>
+            </a:r>
+            <a:r>
+              <a:rPr lang="en-US" dirty="0" err="1"/>
+              <a:t>dapat</a:t>
+            </a:r>
+            <a:r>
+              <a:rPr lang="en-US" dirty="0"/>
+              <a:t> </a:t>
+            </a:r>
+            <a:r>
+              <a:rPr lang="en-US" dirty="0" err="1"/>
+              <a:t>dimanipulasi</a:t>
+            </a:r>
+            <a:r>
+              <a:rPr lang="en-US" dirty="0"/>
+              <a:t> dan </a:t>
+            </a:r>
+            <a:r>
+              <a:rPr lang="en-US" dirty="0" err="1"/>
+              <a:t>dimanfaatkan</a:t>
+            </a:r>
+            <a:r>
+              <a:rPr lang="en-US" dirty="0"/>
+              <a:t> oleh internal </a:t>
+            </a:r>
+            <a:r>
+              <a:rPr lang="en-US" dirty="0" err="1"/>
+              <a:t>komponen</a:t>
+            </a:r>
+            <a:r>
+              <a:rPr lang="en-US" dirty="0"/>
+              <a:t> masing-masing dan </a:t>
+            </a:r>
+            <a:r>
+              <a:rPr lang="en-US" dirty="0" err="1"/>
+              <a:t>tidak</a:t>
+            </a:r>
+            <a:r>
+              <a:rPr lang="en-US" dirty="0"/>
+              <a:t> </a:t>
+            </a:r>
+            <a:r>
+              <a:rPr lang="en-US" dirty="0" err="1"/>
+              <a:t>dapat</a:t>
+            </a:r>
+            <a:r>
+              <a:rPr lang="en-US" dirty="0"/>
+              <a:t> </a:t>
+            </a:r>
+            <a:r>
+              <a:rPr lang="en-US" dirty="0" err="1"/>
+              <a:t>diakses</a:t>
+            </a:r>
+            <a:r>
+              <a:rPr lang="en-US" dirty="0"/>
+              <a:t> oleh </a:t>
+            </a:r>
+            <a:r>
+              <a:rPr lang="en-US" dirty="0" err="1"/>
+              <a:t>komponen</a:t>
+            </a:r>
+            <a:r>
+              <a:rPr lang="en-US" dirty="0"/>
+              <a:t> lain.</a:t>
+            </a:r>
+          </a:p>
+          <a:p>
+            <a:pPr marL="0" indent="0">
+              <a:buNone/>
+            </a:pPr>
+            <a:endParaRPr lang="en-US" dirty="0"/>
+          </a:p>
+        </p:txBody>
+      </p:sp>
+    </p:spTree>
+    <p:extLst>
+      <p:ext uri="{BB962C8B-B14F-4D97-AF65-F5344CB8AC3E}">
+        <p14:creationId xmlns:p14="http://schemas.microsoft.com/office/powerpoint/2010/main" val="3113700013"/>
+      </p:ext>
+    </p:extLst>
+  </p:cSld>
+  <p:clrMapOvr>
+    <a:masterClrMapping/>
+  </p:clrMapOvr>
+  <mc:AlternateContent xmlns:mc="http://schemas.openxmlformats.org/markup-compatibility/2006" xmlns:p14="http://schemas.microsoft.com/office/powerpoint/2010/main">
+    <mc:Choice Requires="p14">
+      <p:transition spd="med" p14:dur="700">
+        <p:fade/>
+      </p:transition>
+    </mc:Choice>
+    <mc:Fallback xmlns="">
+      <p:transition spd="med">
+        <p:fade/>
+      </p:transition>
+    </mc:Fallback>
+  </mc:AlternateContent>
+</p:sld>
+</file>
+
+<file path=ppt/slides/slide13.xml><?xml version="1.0" encoding="utf-8"?>
+<p:sld xmlns:a="http://schemas.openxmlformats.org/drawingml/2006/main" xmlns:r="http://schemas.openxmlformats.org/officeDocument/2006/relationships" xmlns:p="http://schemas.openxmlformats.org/presentationml/2006/main">
+  <p:cSld>
+    <p:spTree>
+      <p:nvGrpSpPr>
+        <p:cNvPr id="1" name=""/>
+        <p:cNvGrpSpPr/>
+        <p:nvPr/>
+      </p:nvGrpSpPr>
+      <p:grpSpPr>
+        <a:xfrm>
+          <a:off x="0" y="0"/>
+          <a:ext cx="0" cy="0"/>
+          <a:chOff x="0" y="0"/>
+          <a:chExt cx="0" cy="0"/>
+        </a:xfrm>
+      </p:grpSpPr>
       <p:pic>
         <p:nvPicPr>
           <p:cNvPr id="5" name="Content Placeholder 4">
@@ -4927,7 +5922,7 @@
 </p:sld>
 </file>
 
-<file path=ppt/slides/slide11.xml><?xml version="1.0" encoding="utf-8"?>
+<file path=ppt/slides/slide14.xml><?xml version="1.0" encoding="utf-8"?>
 <p:sld xmlns:a="http://schemas.openxmlformats.org/drawingml/2006/main" xmlns:r="http://schemas.openxmlformats.org/officeDocument/2006/relationships" xmlns:p="http://schemas.openxmlformats.org/presentationml/2006/main">
   <p:cSld>
     <p:spTree>
@@ -5244,7 +6239,7 @@
 </p:sld>
 </file>
 
-<file path=ppt/slides/slide12.xml><?xml version="1.0" encoding="utf-8"?>
+<file path=ppt/slides/slide15.xml><?xml version="1.0" encoding="utf-8"?>
 <p:sld xmlns:a="http://schemas.openxmlformats.org/drawingml/2006/main" xmlns:r="http://schemas.openxmlformats.org/officeDocument/2006/relationships" xmlns:p="http://schemas.openxmlformats.org/presentationml/2006/main">
   <p:cSld>
     <p:spTree>
@@ -5465,7 +6460,7 @@
 </p:sld>
 </file>
 
-<file path=ppt/slides/slide13.xml><?xml version="1.0" encoding="utf-8"?>
+<file path=ppt/slides/slide16.xml><?xml version="1.0" encoding="utf-8"?>
 <p:sld xmlns:a="http://schemas.openxmlformats.org/drawingml/2006/main" xmlns:r="http://schemas.openxmlformats.org/officeDocument/2006/relationships" xmlns:p="http://schemas.openxmlformats.org/presentationml/2006/main">
   <p:cSld>
     <p:spTree>
@@ -5799,7 +6794,7 @@
 </p:sld>
 </file>
 
-<file path=ppt/slides/slide14.xml><?xml version="1.0" encoding="utf-8"?>
+<file path=ppt/slides/slide17.xml><?xml version="1.0" encoding="utf-8"?>
 <p:sld xmlns:a="http://schemas.openxmlformats.org/drawingml/2006/main" xmlns:r="http://schemas.openxmlformats.org/officeDocument/2006/relationships" xmlns:p="http://schemas.openxmlformats.org/presentationml/2006/main">
   <p:cSld>
     <p:spTree>
@@ -6052,7 +7047,7 @@
 </p:sld>
 </file>
 
-<file path=ppt/slides/slide15.xml><?xml version="1.0" encoding="utf-8"?>
+<file path=ppt/slides/slide18.xml><?xml version="1.0" encoding="utf-8"?>
 <p:sld xmlns:a="http://schemas.openxmlformats.org/drawingml/2006/main" xmlns:r="http://schemas.openxmlformats.org/officeDocument/2006/relationships" xmlns:p="http://schemas.openxmlformats.org/presentationml/2006/main">
   <p:cSld>
     <p:spTree>
@@ -6653,7 +7648,7 @@
 </p:sld>
 </file>
 
-<file path=ppt/slides/slide16.xml><?xml version="1.0" encoding="utf-8"?>
+<file path=ppt/slides/slide19.xml><?xml version="1.0" encoding="utf-8"?>
 <p:sld xmlns:a="http://schemas.openxmlformats.org/drawingml/2006/main" xmlns:r="http://schemas.openxmlformats.org/officeDocument/2006/relationships" xmlns:p="http://schemas.openxmlformats.org/presentationml/2006/main">
   <p:cSld>
     <p:spTree>
@@ -6994,6 +7989,907 @@
       </p:grpSpPr>
       <p:sp>
         <p:nvSpPr>
+          <p:cNvPr id="2" name="Title 1">
+            <a:extLst>
+              <a:ext uri="{FF2B5EF4-FFF2-40B4-BE49-F238E27FC236}">
+                <a16:creationId xmlns:a16="http://schemas.microsoft.com/office/drawing/2014/main" id="{5F92F641-39C6-4916-70E6-1DF8B592C7F3}"/>
+              </a:ext>
+            </a:extLst>
+          </p:cNvPr>
+          <p:cNvSpPr>
+            <a:spLocks noGrp="1"/>
+          </p:cNvSpPr>
+          <p:nvPr>
+            <p:ph type="title"/>
+          </p:nvPr>
+        </p:nvSpPr>
+        <p:spPr/>
+        <p:txBody>
+          <a:bodyPr/>
+          <a:lstStyle/>
+          <a:p>
+            <a:r>
+              <a:rPr lang="en-US" dirty="0"/>
+              <a:t>Lifecycle Hooks Pada Vue.js</a:t>
+            </a:r>
+          </a:p>
+        </p:txBody>
+      </p:sp>
+      <p:sp>
+        <p:nvSpPr>
+          <p:cNvPr id="3" name="Content Placeholder 2">
+            <a:extLst>
+              <a:ext uri="{FF2B5EF4-FFF2-40B4-BE49-F238E27FC236}">
+                <a16:creationId xmlns:a16="http://schemas.microsoft.com/office/drawing/2014/main" id="{71043CC5-B42A-9D13-FB08-CED0E012B20C}"/>
+              </a:ext>
+            </a:extLst>
+          </p:cNvPr>
+          <p:cNvSpPr>
+            <a:spLocks noGrp="1"/>
+          </p:cNvSpPr>
+          <p:nvPr>
+            <p:ph idx="1"/>
+          </p:nvPr>
+        </p:nvSpPr>
+        <p:spPr/>
+        <p:txBody>
+          <a:bodyPr>
+            <a:normAutofit/>
+          </a:bodyPr>
+          <a:lstStyle/>
+          <a:p>
+            <a:pPr marL="0" indent="0">
+              <a:buNone/>
+            </a:pPr>
+            <a:r>
+              <a:rPr lang="en-US" sz="2000" dirty="0"/>
+              <a:t>Ketika </a:t>
+            </a:r>
+            <a:r>
+              <a:rPr lang="en-US" sz="2000" dirty="0" err="1"/>
+              <a:t>sebuah</a:t>
+            </a:r>
+            <a:r>
+              <a:rPr lang="en-US" sz="2000" dirty="0"/>
+              <a:t> instance Vue.js di </a:t>
+            </a:r>
+            <a:r>
+              <a:rPr lang="en-US" sz="2000" dirty="0" err="1"/>
+              <a:t>inisiasi</a:t>
+            </a:r>
+            <a:r>
+              <a:rPr lang="en-US" sz="2000" dirty="0"/>
+              <a:t> </a:t>
+            </a:r>
+            <a:r>
+              <a:rPr lang="en-US" sz="2000" dirty="0" err="1"/>
+              <a:t>dengan</a:t>
+            </a:r>
+            <a:r>
+              <a:rPr lang="en-US" sz="2000" dirty="0"/>
+              <a:t> </a:t>
+            </a:r>
+            <a:r>
+              <a:rPr lang="en-US" sz="2000" i="1" dirty="0"/>
+              <a:t>new Vue(), </a:t>
+            </a:r>
+            <a:r>
+              <a:rPr lang="en-US" sz="2000" dirty="0" err="1"/>
+              <a:t>kemudia</a:t>
+            </a:r>
+            <a:r>
+              <a:rPr lang="en-US" sz="2000" dirty="0"/>
+              <a:t> </a:t>
+            </a:r>
+            <a:r>
+              <a:rPr lang="en-US" sz="2000" dirty="0" err="1"/>
+              <a:t>dibuat</a:t>
+            </a:r>
+            <a:r>
+              <a:rPr lang="en-US" sz="2000" dirty="0"/>
+              <a:t> </a:t>
+            </a:r>
+            <a:r>
+              <a:rPr lang="en-US" sz="2000" i="1" dirty="0"/>
+              <a:t>(created)</a:t>
+            </a:r>
+            <a:r>
+              <a:rPr lang="en-US" sz="2000" dirty="0"/>
+              <a:t>, </a:t>
+            </a:r>
+            <a:r>
+              <a:rPr lang="en-US" sz="2000" dirty="0" err="1"/>
+              <a:t>dikaitkan</a:t>
+            </a:r>
+            <a:r>
+              <a:rPr lang="en-US" sz="2000" dirty="0"/>
+              <a:t> </a:t>
+            </a:r>
+            <a:r>
+              <a:rPr lang="en-US" sz="2000" dirty="0" err="1"/>
+              <a:t>ke</a:t>
+            </a:r>
+            <a:r>
+              <a:rPr lang="en-US" sz="2000" dirty="0"/>
+              <a:t> DOM </a:t>
+            </a:r>
+            <a:r>
+              <a:rPr lang="en-US" sz="2000" i="1" dirty="0"/>
+              <a:t>(mounted)</a:t>
+            </a:r>
+            <a:r>
+              <a:rPr lang="en-US" sz="2000" dirty="0"/>
+              <a:t>, </a:t>
+            </a:r>
+            <a:r>
+              <a:rPr lang="en-US" sz="2000" dirty="0" err="1"/>
+              <a:t>diperbarui</a:t>
+            </a:r>
+            <a:r>
+              <a:rPr lang="en-US" sz="2000" dirty="0"/>
+              <a:t> </a:t>
+            </a:r>
+            <a:r>
+              <a:rPr lang="en-US" sz="2000" i="1" dirty="0"/>
+              <a:t>(update)</a:t>
+            </a:r>
+            <a:r>
+              <a:rPr lang="en-US" sz="2000" dirty="0"/>
+              <a:t> </a:t>
+            </a:r>
+            <a:r>
+              <a:rPr lang="en-US" sz="2000" dirty="0" err="1"/>
+              <a:t>atau</a:t>
+            </a:r>
+            <a:r>
+              <a:rPr lang="en-US" sz="2000" dirty="0"/>
+              <a:t> </a:t>
+            </a:r>
+            <a:r>
+              <a:rPr lang="en-US" sz="2000" dirty="0" err="1"/>
+              <a:t>dibuang</a:t>
+            </a:r>
+            <a:r>
+              <a:rPr lang="en-US" sz="2000" dirty="0"/>
+              <a:t>/</a:t>
+            </a:r>
+            <a:r>
+              <a:rPr lang="en-US" sz="2000" dirty="0" err="1"/>
+              <a:t>dihancurkan</a:t>
+            </a:r>
+            <a:r>
+              <a:rPr lang="en-US" sz="2000" dirty="0"/>
+              <a:t> </a:t>
+            </a:r>
+            <a:r>
+              <a:rPr lang="en-US" sz="2000" i="1" dirty="0"/>
+              <a:t>(destroyed)</a:t>
+            </a:r>
+            <a:r>
+              <a:rPr lang="en-US" sz="2000" dirty="0"/>
+              <a:t>, </a:t>
+            </a:r>
+            <a:r>
+              <a:rPr lang="en-US" sz="2000" dirty="0" err="1"/>
+              <a:t>disetiap</a:t>
+            </a:r>
+            <a:r>
+              <a:rPr lang="en-US" sz="2000" dirty="0"/>
+              <a:t> </a:t>
+            </a:r>
+            <a:r>
+              <a:rPr lang="en-US" sz="2000" dirty="0" err="1"/>
+              <a:t>tahapan</a:t>
+            </a:r>
+            <a:r>
+              <a:rPr lang="en-US" sz="2000" dirty="0"/>
+              <a:t> </a:t>
+            </a:r>
+            <a:r>
+              <a:rPr lang="en-US" sz="2000" dirty="0" err="1"/>
+              <a:t>tersebut</a:t>
+            </a:r>
+            <a:r>
+              <a:rPr lang="en-US" sz="2000" dirty="0"/>
+              <a:t> Vue.js </a:t>
+            </a:r>
+            <a:r>
+              <a:rPr lang="en-US" sz="2000" dirty="0" err="1"/>
+              <a:t>akan</a:t>
+            </a:r>
+            <a:r>
+              <a:rPr lang="en-US" sz="2000" dirty="0"/>
+              <a:t> </a:t>
+            </a:r>
+            <a:r>
+              <a:rPr lang="en-US" sz="2000" dirty="0" err="1"/>
+              <a:t>memanggil</a:t>
+            </a:r>
+            <a:r>
+              <a:rPr lang="en-US" sz="2000" dirty="0"/>
+              <a:t> </a:t>
+            </a:r>
+            <a:r>
+              <a:rPr lang="en-US" sz="2000" dirty="0" err="1"/>
+              <a:t>satu</a:t>
+            </a:r>
+            <a:r>
+              <a:rPr lang="en-US" sz="2000" dirty="0"/>
+              <a:t> </a:t>
+            </a:r>
+            <a:r>
+              <a:rPr lang="en-US" sz="2000" dirty="0" err="1"/>
+              <a:t>atau</a:t>
+            </a:r>
+            <a:r>
+              <a:rPr lang="en-US" sz="2000" dirty="0"/>
+              <a:t> </a:t>
+            </a:r>
+            <a:r>
+              <a:rPr lang="en-US" sz="2000" dirty="0" err="1"/>
+              <a:t>beberapa</a:t>
+            </a:r>
+            <a:r>
+              <a:rPr lang="en-US" sz="2000" dirty="0"/>
+              <a:t> </a:t>
+            </a:r>
+            <a:r>
+              <a:rPr lang="en-US" sz="2000" dirty="0" err="1"/>
+              <a:t>fungsi</a:t>
+            </a:r>
+            <a:r>
+              <a:rPr lang="en-US" sz="2000" dirty="0"/>
+              <a:t> / method </a:t>
+            </a:r>
+            <a:r>
+              <a:rPr lang="en-US" sz="2000" dirty="0" err="1"/>
+              <a:t>untuk</a:t>
+            </a:r>
+            <a:r>
+              <a:rPr lang="en-US" sz="2000" dirty="0"/>
+              <a:t> </a:t>
+            </a:r>
+            <a:r>
+              <a:rPr lang="en-US" sz="2000" dirty="0" err="1"/>
+              <a:t>diproses</a:t>
+            </a:r>
+            <a:r>
+              <a:rPr lang="en-US" sz="2000" dirty="0"/>
+              <a:t> </a:t>
+            </a:r>
+            <a:r>
+              <a:rPr lang="en-US" sz="2000" dirty="0" err="1"/>
+              <a:t>secara</a:t>
+            </a:r>
+            <a:r>
+              <a:rPr lang="en-US" sz="2000" dirty="0"/>
+              <a:t> </a:t>
+            </a:r>
+            <a:r>
+              <a:rPr lang="en-US" sz="2000" dirty="0" err="1"/>
+              <a:t>berurutan</a:t>
+            </a:r>
+            <a:r>
+              <a:rPr lang="en-US" sz="2000" dirty="0"/>
+              <a:t>. </a:t>
+            </a:r>
+            <a:r>
+              <a:rPr lang="en-US" sz="2000" dirty="0" err="1"/>
+              <a:t>Fungsi</a:t>
+            </a:r>
+            <a:r>
+              <a:rPr lang="en-US" sz="2000" dirty="0"/>
+              <a:t> / method </a:t>
+            </a:r>
+            <a:r>
+              <a:rPr lang="en-US" sz="2000" dirty="0" err="1"/>
+              <a:t>ini</a:t>
+            </a:r>
+            <a:r>
+              <a:rPr lang="en-US" sz="2000" dirty="0"/>
+              <a:t> </a:t>
+            </a:r>
+            <a:r>
+              <a:rPr lang="en-US" sz="2000" dirty="0" err="1"/>
+              <a:t>disebut</a:t>
+            </a:r>
+            <a:r>
+              <a:rPr lang="en-US" sz="2000" dirty="0"/>
+              <a:t> </a:t>
+            </a:r>
+            <a:r>
+              <a:rPr lang="en-US" sz="2000" dirty="0" err="1"/>
+              <a:t>sebagai</a:t>
+            </a:r>
+            <a:r>
+              <a:rPr lang="en-US" sz="2000" dirty="0"/>
+              <a:t> Lifecycle Hooks.</a:t>
+            </a:r>
+          </a:p>
+          <a:p>
+            <a:pPr marL="0" indent="0">
+              <a:buNone/>
+            </a:pPr>
+            <a:endParaRPr lang="en-US" sz="2000" i="1" dirty="0"/>
+          </a:p>
+          <a:p>
+            <a:pPr marL="0" indent="0">
+              <a:buNone/>
+            </a:pPr>
+            <a:r>
+              <a:rPr lang="en-US" sz="2000" dirty="0" err="1"/>
+              <a:t>Beberapa</a:t>
+            </a:r>
+            <a:r>
+              <a:rPr lang="en-US" sz="2000" dirty="0"/>
+              <a:t> hook yang </a:t>
+            </a:r>
+            <a:r>
+              <a:rPr lang="en-US" sz="2000" dirty="0" err="1"/>
+              <a:t>ada</a:t>
+            </a:r>
+            <a:r>
+              <a:rPr lang="en-US" sz="2000" dirty="0"/>
+              <a:t> di Vue.js:</a:t>
+            </a:r>
+          </a:p>
+          <a:p>
+            <a:r>
+              <a:rPr lang="en-US" sz="2000" i="1" dirty="0" err="1"/>
+              <a:t>beforeCreate</a:t>
+            </a:r>
+            <a:r>
+              <a:rPr lang="en-US" sz="2000" dirty="0"/>
+              <a:t> : </a:t>
+            </a:r>
+            <a:r>
+              <a:rPr lang="en-US" sz="2000" dirty="0" err="1"/>
+              <a:t>dipanggil</a:t>
+            </a:r>
+            <a:r>
+              <a:rPr lang="en-US" sz="2000" dirty="0"/>
+              <a:t> </a:t>
+            </a:r>
+            <a:r>
+              <a:rPr lang="en-US" sz="2000" dirty="0" err="1"/>
+              <a:t>setelah</a:t>
+            </a:r>
+            <a:r>
+              <a:rPr lang="en-US" sz="2000" dirty="0"/>
+              <a:t> </a:t>
+            </a:r>
+            <a:r>
+              <a:rPr lang="en-US" sz="2000" dirty="0" err="1"/>
+              <a:t>inisiasi</a:t>
+            </a:r>
+            <a:r>
+              <a:rPr lang="en-US" sz="2000" dirty="0"/>
+              <a:t> instance Vue.</a:t>
+            </a:r>
+          </a:p>
+          <a:p>
+            <a:r>
+              <a:rPr lang="en-US" sz="2000" i="1" dirty="0"/>
+              <a:t>created</a:t>
+            </a:r>
+            <a:r>
+              <a:rPr lang="en-US" sz="2000" dirty="0"/>
+              <a:t> : </a:t>
+            </a:r>
+            <a:r>
+              <a:rPr lang="en-US" sz="2000" dirty="0" err="1"/>
+              <a:t>dipanggil</a:t>
+            </a:r>
+            <a:r>
+              <a:rPr lang="en-US" sz="2000" dirty="0"/>
+              <a:t> </a:t>
+            </a:r>
+            <a:r>
+              <a:rPr lang="en-US" sz="2000" dirty="0" err="1"/>
+              <a:t>setelah</a:t>
+            </a:r>
+            <a:r>
+              <a:rPr lang="en-US" sz="2000" dirty="0"/>
+              <a:t> instance Vue </a:t>
+            </a:r>
+            <a:r>
+              <a:rPr lang="en-US" sz="2000" dirty="0" err="1"/>
+              <a:t>dibuat</a:t>
+            </a:r>
+            <a:r>
+              <a:rPr lang="en-US" sz="2000" dirty="0"/>
+              <a:t>.</a:t>
+            </a:r>
+          </a:p>
+          <a:p>
+            <a:r>
+              <a:rPr lang="en-US" sz="2000" i="1" dirty="0" err="1"/>
+              <a:t>beforeMount</a:t>
+            </a:r>
+            <a:r>
+              <a:rPr lang="en-US" sz="2000" dirty="0"/>
+              <a:t> : </a:t>
+            </a:r>
+            <a:r>
+              <a:rPr lang="en-US" sz="2000" dirty="0" err="1"/>
+              <a:t>dipanggil</a:t>
+            </a:r>
+            <a:r>
+              <a:rPr lang="en-US" sz="2000" dirty="0"/>
+              <a:t> </a:t>
+            </a:r>
+            <a:r>
+              <a:rPr lang="en-US" sz="2000" dirty="0" err="1"/>
+              <a:t>sebelum</a:t>
+            </a:r>
+            <a:r>
+              <a:rPr lang="en-US" sz="2000" dirty="0"/>
+              <a:t> instance Vue </a:t>
+            </a:r>
+            <a:r>
+              <a:rPr lang="en-US" sz="2000" dirty="0" err="1"/>
+              <a:t>dikaitkan</a:t>
+            </a:r>
+            <a:r>
+              <a:rPr lang="en-US" sz="2000" dirty="0"/>
+              <a:t> / </a:t>
+            </a:r>
+            <a:r>
+              <a:rPr lang="en-US" sz="2000" dirty="0" err="1"/>
+              <a:t>dirender</a:t>
+            </a:r>
+            <a:r>
+              <a:rPr lang="en-US" sz="2000" dirty="0"/>
+              <a:t> </a:t>
+            </a:r>
+            <a:r>
+              <a:rPr lang="en-US" sz="2000" dirty="0" err="1"/>
+              <a:t>ke</a:t>
+            </a:r>
+            <a:r>
+              <a:rPr lang="en-US" sz="2000" dirty="0"/>
+              <a:t> DOM.</a:t>
+            </a:r>
+          </a:p>
+          <a:p>
+            <a:r>
+              <a:rPr lang="en-US" sz="2000" i="1" dirty="0"/>
+              <a:t>mounted</a:t>
+            </a:r>
+            <a:r>
+              <a:rPr lang="en-US" sz="2000" dirty="0"/>
+              <a:t> : </a:t>
+            </a:r>
+            <a:r>
+              <a:rPr lang="en-US" sz="2000" dirty="0" err="1"/>
+              <a:t>dipanggil</a:t>
+            </a:r>
+            <a:r>
+              <a:rPr lang="en-US" sz="2000" dirty="0"/>
+              <a:t> </a:t>
+            </a:r>
+            <a:r>
+              <a:rPr lang="en-US" sz="2000" dirty="0" err="1"/>
+              <a:t>setelah</a:t>
+            </a:r>
+            <a:r>
+              <a:rPr lang="en-US" sz="2000" dirty="0"/>
+              <a:t> instance Vue </a:t>
+            </a:r>
+            <a:r>
+              <a:rPr lang="en-US" sz="2000" dirty="0" err="1"/>
+              <a:t>dikaitkan</a:t>
+            </a:r>
+            <a:r>
+              <a:rPr lang="en-US" sz="2000" dirty="0"/>
+              <a:t> </a:t>
+            </a:r>
+            <a:r>
+              <a:rPr lang="en-US" sz="2000" dirty="0" err="1"/>
+              <a:t>ke</a:t>
+            </a:r>
+            <a:r>
+              <a:rPr lang="en-US" sz="2000" dirty="0"/>
+              <a:t> DOM.</a:t>
+            </a:r>
+          </a:p>
+          <a:p>
+            <a:r>
+              <a:rPr lang="en-US" sz="2000" i="1" dirty="0" err="1"/>
+              <a:t>beforeUpdate</a:t>
+            </a:r>
+            <a:r>
+              <a:rPr lang="en-US" sz="2000" dirty="0"/>
+              <a:t> : </a:t>
+            </a:r>
+            <a:r>
+              <a:rPr lang="en-US" sz="2000" dirty="0" err="1"/>
+              <a:t>dipanggil</a:t>
+            </a:r>
+            <a:r>
+              <a:rPr lang="en-US" sz="2000" dirty="0"/>
+              <a:t> Ketika </a:t>
+            </a:r>
+            <a:r>
+              <a:rPr lang="en-US" sz="2000" dirty="0" err="1"/>
+              <a:t>ada</a:t>
+            </a:r>
+            <a:r>
+              <a:rPr lang="en-US" sz="2000" dirty="0"/>
+              <a:t> </a:t>
+            </a:r>
+            <a:r>
+              <a:rPr lang="en-US" sz="2000" dirty="0" err="1"/>
+              <a:t>perubahan</a:t>
+            </a:r>
+            <a:r>
+              <a:rPr lang="en-US" sz="2000" dirty="0"/>
+              <a:t> </a:t>
+            </a:r>
+            <a:r>
+              <a:rPr lang="en-US" sz="2000" dirty="0" err="1"/>
+              <a:t>nilai</a:t>
+            </a:r>
+            <a:r>
+              <a:rPr lang="en-US" sz="2000" dirty="0"/>
+              <a:t> property pada option data dan </a:t>
+            </a:r>
+            <a:r>
+              <a:rPr lang="en-US" sz="2000" dirty="0" err="1"/>
+              <a:t>setelah</a:t>
+            </a:r>
+            <a:r>
+              <a:rPr lang="en-US" sz="2000" dirty="0"/>
+              <a:t> Virtual DOM di-render </a:t>
+            </a:r>
+            <a:r>
+              <a:rPr lang="en-US" sz="2000" dirty="0" err="1"/>
+              <a:t>ulang</a:t>
+            </a:r>
+            <a:r>
+              <a:rPr lang="en-US" sz="2000" dirty="0"/>
+              <a:t>.</a:t>
+            </a:r>
+          </a:p>
+        </p:txBody>
+      </p:sp>
+    </p:spTree>
+    <p:extLst>
+      <p:ext uri="{BB962C8B-B14F-4D97-AF65-F5344CB8AC3E}">
+        <p14:creationId xmlns:p14="http://schemas.microsoft.com/office/powerpoint/2010/main" val="1430600077"/>
+      </p:ext>
+    </p:extLst>
+  </p:cSld>
+  <p:clrMapOvr>
+    <a:masterClrMapping/>
+  </p:clrMapOvr>
+  <mc:AlternateContent xmlns:mc="http://schemas.openxmlformats.org/markup-compatibility/2006" xmlns:p14="http://schemas.microsoft.com/office/powerpoint/2010/main">
+    <mc:Choice Requires="p14">
+      <p:transition spd="med" p14:dur="700">
+        <p:fade/>
+      </p:transition>
+    </mc:Choice>
+    <mc:Fallback xmlns="">
+      <p:transition spd="med">
+        <p:fade/>
+      </p:transition>
+    </mc:Fallback>
+  </mc:AlternateContent>
+</p:sld>
+</file>
+
+<file path=ppt/slides/slide4.xml><?xml version="1.0" encoding="utf-8"?>
+<p:sld xmlns:a="http://schemas.openxmlformats.org/drawingml/2006/main" xmlns:r="http://schemas.openxmlformats.org/officeDocument/2006/relationships" xmlns:p="http://schemas.openxmlformats.org/presentationml/2006/main">
+  <p:cSld>
+    <p:spTree>
+      <p:nvGrpSpPr>
+        <p:cNvPr id="1" name=""/>
+        <p:cNvGrpSpPr/>
+        <p:nvPr/>
+      </p:nvGrpSpPr>
+      <p:grpSpPr>
+        <a:xfrm>
+          <a:off x="0" y="0"/>
+          <a:ext cx="0" cy="0"/>
+          <a:chOff x="0" y="0"/>
+          <a:chExt cx="0" cy="0"/>
+        </a:xfrm>
+      </p:grpSpPr>
+      <p:sp>
+        <p:nvSpPr>
+          <p:cNvPr id="3" name="Content Placeholder 2">
+            <a:extLst>
+              <a:ext uri="{FF2B5EF4-FFF2-40B4-BE49-F238E27FC236}">
+                <a16:creationId xmlns:a16="http://schemas.microsoft.com/office/drawing/2014/main" id="{50AC197B-57A5-BBB4-32B9-8DBC1F6DECFF}"/>
+              </a:ext>
+            </a:extLst>
+          </p:cNvPr>
+          <p:cNvSpPr>
+            <a:spLocks noGrp="1"/>
+          </p:cNvSpPr>
+          <p:nvPr>
+            <p:ph idx="1"/>
+          </p:nvPr>
+        </p:nvSpPr>
+        <p:spPr>
+          <a:xfrm>
+            <a:off x="609600" y="1146220"/>
+            <a:ext cx="10972800" cy="5178380"/>
+          </a:xfrm>
+        </p:spPr>
+        <p:txBody>
+          <a:bodyPr>
+            <a:normAutofit/>
+          </a:bodyPr>
+          <a:lstStyle/>
+          <a:p>
+            <a:r>
+              <a:rPr lang="en-US" sz="2000" i="1" dirty="0"/>
+              <a:t>updated</a:t>
+            </a:r>
+            <a:r>
+              <a:rPr lang="en-US" sz="2000" dirty="0"/>
+              <a:t> : </a:t>
+            </a:r>
+            <a:r>
+              <a:rPr lang="en-US" sz="2000" dirty="0" err="1"/>
+              <a:t>dipanggil</a:t>
+            </a:r>
+            <a:r>
+              <a:rPr lang="en-US" sz="2000" dirty="0"/>
+              <a:t> Ketika </a:t>
+            </a:r>
+            <a:r>
+              <a:rPr lang="en-US" sz="2000" dirty="0" err="1"/>
+              <a:t>ada</a:t>
+            </a:r>
+            <a:r>
+              <a:rPr lang="en-US" sz="2000" dirty="0"/>
+              <a:t> </a:t>
+            </a:r>
+            <a:r>
+              <a:rPr lang="en-US" sz="2000" dirty="0" err="1"/>
+              <a:t>perubahan</a:t>
+            </a:r>
+            <a:r>
+              <a:rPr lang="en-US" sz="2000" dirty="0"/>
+              <a:t> </a:t>
+            </a:r>
+            <a:r>
+              <a:rPr lang="en-US" sz="2000" dirty="0" err="1"/>
+              <a:t>nilai</a:t>
+            </a:r>
+            <a:r>
+              <a:rPr lang="en-US" sz="2000" dirty="0"/>
+              <a:t> property pada option data dan </a:t>
+            </a:r>
+            <a:r>
+              <a:rPr lang="en-US" sz="2000" dirty="0" err="1"/>
+              <a:t>setelah</a:t>
+            </a:r>
+            <a:r>
+              <a:rPr lang="en-US" sz="2000" dirty="0"/>
+              <a:t> Virtual DOM di-render </a:t>
+            </a:r>
+            <a:r>
+              <a:rPr lang="en-US" sz="2000" dirty="0" err="1"/>
+              <a:t>ulang</a:t>
+            </a:r>
+            <a:r>
+              <a:rPr lang="en-US" sz="2000" dirty="0"/>
+              <a:t>.</a:t>
+            </a:r>
+          </a:p>
+          <a:p>
+            <a:r>
+              <a:rPr lang="en-US" sz="2000" i="1" dirty="0" err="1"/>
+              <a:t>beforeDestroy</a:t>
+            </a:r>
+            <a:r>
+              <a:rPr lang="en-US" sz="2000" dirty="0"/>
+              <a:t> : </a:t>
+            </a:r>
+            <a:r>
+              <a:rPr lang="en-US" sz="2000" dirty="0" err="1"/>
+              <a:t>dipanggil</a:t>
+            </a:r>
+            <a:r>
+              <a:rPr lang="en-US" sz="2000" dirty="0"/>
+              <a:t> </a:t>
+            </a:r>
+            <a:r>
+              <a:rPr lang="en-US" sz="2000" dirty="0" err="1"/>
+              <a:t>sebelum</a:t>
+            </a:r>
+            <a:r>
+              <a:rPr lang="en-US" sz="2000" dirty="0"/>
+              <a:t> instance Vue </a:t>
+            </a:r>
+            <a:r>
+              <a:rPr lang="en-US" sz="2000" dirty="0" err="1"/>
+              <a:t>dibuang</a:t>
+            </a:r>
+            <a:r>
+              <a:rPr lang="en-US" sz="2000" dirty="0"/>
+              <a:t> / </a:t>
+            </a:r>
+            <a:r>
+              <a:rPr lang="en-US" sz="2000" dirty="0" err="1"/>
+              <a:t>dihancurkan</a:t>
+            </a:r>
+            <a:r>
+              <a:rPr lang="en-US" sz="2000" dirty="0"/>
+              <a:t>.</a:t>
+            </a:r>
+          </a:p>
+          <a:p>
+            <a:r>
+              <a:rPr lang="en-US" sz="2000" i="1" dirty="0"/>
+              <a:t>destroyed</a:t>
+            </a:r>
+            <a:r>
+              <a:rPr lang="en-US" sz="2000" dirty="0"/>
+              <a:t> : </a:t>
+            </a:r>
+            <a:r>
+              <a:rPr lang="en-US" sz="2000" dirty="0" err="1"/>
+              <a:t>dipanggil</a:t>
+            </a:r>
+            <a:r>
+              <a:rPr lang="en-US" sz="2000" dirty="0"/>
+              <a:t> </a:t>
+            </a:r>
+            <a:r>
+              <a:rPr lang="en-US" sz="2000" dirty="0" err="1"/>
+              <a:t>setelah</a:t>
+            </a:r>
+            <a:r>
+              <a:rPr lang="en-US" sz="2000" dirty="0"/>
+              <a:t> instance Vue </a:t>
+            </a:r>
+            <a:r>
+              <a:rPr lang="en-US" sz="2000" dirty="0" err="1"/>
+              <a:t>dibuang</a:t>
+            </a:r>
+            <a:r>
+              <a:rPr lang="en-US" sz="2000" dirty="0"/>
+              <a:t> / </a:t>
+            </a:r>
+            <a:r>
+              <a:rPr lang="en-US" sz="2000" dirty="0" err="1"/>
+              <a:t>dihancurkan</a:t>
+            </a:r>
+            <a:r>
+              <a:rPr lang="en-US" sz="2000" dirty="0"/>
+              <a:t>.</a:t>
+            </a:r>
+          </a:p>
+          <a:p>
+            <a:endParaRPr lang="en-US" sz="2000" dirty="0"/>
+          </a:p>
+        </p:txBody>
+      </p:sp>
+    </p:spTree>
+    <p:extLst>
+      <p:ext uri="{BB962C8B-B14F-4D97-AF65-F5344CB8AC3E}">
+        <p14:creationId xmlns:p14="http://schemas.microsoft.com/office/powerpoint/2010/main" val="2707518743"/>
+      </p:ext>
+    </p:extLst>
+  </p:cSld>
+  <p:clrMapOvr>
+    <a:masterClrMapping/>
+  </p:clrMapOvr>
+  <mc:AlternateContent xmlns:mc="http://schemas.openxmlformats.org/markup-compatibility/2006" xmlns:p14="http://schemas.microsoft.com/office/powerpoint/2010/main">
+    <mc:Choice Requires="p14">
+      <p:transition spd="med" p14:dur="700">
+        <p:fade/>
+      </p:transition>
+    </mc:Choice>
+    <mc:Fallback xmlns="">
+      <p:transition spd="med">
+        <p:fade/>
+      </p:transition>
+    </mc:Fallback>
+  </mc:AlternateContent>
+</p:sld>
+</file>
+
+<file path=ppt/slides/slide5.xml><?xml version="1.0" encoding="utf-8"?>
+<p:sld xmlns:a="http://schemas.openxmlformats.org/drawingml/2006/main" xmlns:r="http://schemas.openxmlformats.org/officeDocument/2006/relationships" xmlns:p="http://schemas.openxmlformats.org/presentationml/2006/main">
+  <p:cSld>
+    <p:spTree>
+      <p:nvGrpSpPr>
+        <p:cNvPr id="1" name=""/>
+        <p:cNvGrpSpPr/>
+        <p:nvPr/>
+      </p:nvGrpSpPr>
+      <p:grpSpPr>
+        <a:xfrm>
+          <a:off x="0" y="0"/>
+          <a:ext cx="0" cy="0"/>
+          <a:chOff x="0" y="0"/>
+          <a:chExt cx="0" cy="0"/>
+        </a:xfrm>
+      </p:grpSpPr>
+      <p:pic>
+        <p:nvPicPr>
+          <p:cNvPr id="5" name="Content Placeholder 4">
+            <a:extLst>
+              <a:ext uri="{FF2B5EF4-FFF2-40B4-BE49-F238E27FC236}">
+                <a16:creationId xmlns:a16="http://schemas.microsoft.com/office/drawing/2014/main" id="{37451EE0-1F5B-E9B3-7CD7-2AC834CFDC55}"/>
+              </a:ext>
+            </a:extLst>
+          </p:cNvPr>
+          <p:cNvPicPr>
+            <a:picLocks noGrp="1" noChangeAspect="1"/>
+          </p:cNvPicPr>
+          <p:nvPr>
+            <p:ph idx="1"/>
+          </p:nvPr>
+        </p:nvPicPr>
+        <p:blipFill>
+          <a:blip r:embed="rId2" cstate="print">
+            <a:extLst>
+              <a:ext uri="{28A0092B-C50C-407E-A947-70E740481C1C}">
+                <a14:useLocalDpi xmlns:a14="http://schemas.microsoft.com/office/drawing/2010/main" val="0"/>
+              </a:ext>
+            </a:extLst>
+          </a:blip>
+          <a:stretch>
+            <a:fillRect/>
+          </a:stretch>
+        </p:blipFill>
+        <p:spPr>
+          <a:xfrm>
+            <a:off x="5045594" y="1004888"/>
+            <a:ext cx="2100812" cy="5319712"/>
+          </a:xfrm>
+        </p:spPr>
+      </p:pic>
+    </p:spTree>
+    <p:extLst>
+      <p:ext uri="{BB962C8B-B14F-4D97-AF65-F5344CB8AC3E}">
+        <p14:creationId xmlns:p14="http://schemas.microsoft.com/office/powerpoint/2010/main" val="2694341509"/>
+      </p:ext>
+    </p:extLst>
+  </p:cSld>
+  <p:clrMapOvr>
+    <a:masterClrMapping/>
+  </p:clrMapOvr>
+  <mc:AlternateContent xmlns:mc="http://schemas.openxmlformats.org/markup-compatibility/2006" xmlns:p14="http://schemas.microsoft.com/office/powerpoint/2010/main">
+    <mc:Choice Requires="p14">
+      <p:transition spd="med" p14:dur="700">
+        <p:fade/>
+      </p:transition>
+    </mc:Choice>
+    <mc:Fallback xmlns="">
+      <p:transition spd="med">
+        <p:fade/>
+      </p:transition>
+    </mc:Fallback>
+  </mc:AlternateContent>
+</p:sld>
+</file>
+
+<file path=ppt/slides/slide6.xml><?xml version="1.0" encoding="utf-8"?>
+<p:sld xmlns:a="http://schemas.openxmlformats.org/drawingml/2006/main" xmlns:r="http://schemas.openxmlformats.org/officeDocument/2006/relationships" xmlns:p="http://schemas.openxmlformats.org/presentationml/2006/main">
+  <p:cSld>
+    <p:spTree>
+      <p:nvGrpSpPr>
+        <p:cNvPr id="1" name=""/>
+        <p:cNvGrpSpPr/>
+        <p:nvPr/>
+      </p:nvGrpSpPr>
+      <p:grpSpPr>
+        <a:xfrm>
+          <a:off x="0" y="0"/>
+          <a:ext cx="0" cy="0"/>
+          <a:chOff x="0" y="0"/>
+          <a:chExt cx="0" cy="0"/>
+        </a:xfrm>
+      </p:grpSpPr>
+      <p:sp>
+        <p:nvSpPr>
           <p:cNvPr id="3" name="Title 2"/>
           <p:cNvSpPr>
             <a:spLocks noGrp="1"/>
@@ -7293,7 +9189,7 @@
 </p:sld>
 </file>
 
-<file path=ppt/slides/slide4.xml><?xml version="1.0" encoding="utf-8"?>
+<file path=ppt/slides/slide7.xml><?xml version="1.0" encoding="utf-8"?>
 <p:sld xmlns:a="http://schemas.openxmlformats.org/drawingml/2006/main" xmlns:r="http://schemas.openxmlformats.org/officeDocument/2006/relationships" xmlns:p="http://schemas.openxmlformats.org/presentationml/2006/main">
   <p:cSld>
     <p:spTree>
@@ -7410,7 +9306,7 @@
 </p:sld>
 </file>
 
-<file path=ppt/slides/slide5.xml><?xml version="1.0" encoding="utf-8"?>
+<file path=ppt/slides/slide8.xml><?xml version="1.0" encoding="utf-8"?>
 <p:sld xmlns:a="http://schemas.openxmlformats.org/drawingml/2006/main" xmlns:r="http://schemas.openxmlformats.org/officeDocument/2006/relationships" xmlns:p="http://schemas.openxmlformats.org/presentationml/2006/main">
   <p:cSld>
     <p:spTree>
@@ -7678,7 +9574,7 @@
 </p:sld>
 </file>
 
-<file path=ppt/slides/slide6.xml><?xml version="1.0" encoding="utf-8"?>
+<file path=ppt/slides/slide9.xml><?xml version="1.0" encoding="utf-8"?>
 <p:sld xmlns:a="http://schemas.openxmlformats.org/drawingml/2006/main" xmlns:r="http://schemas.openxmlformats.org/officeDocument/2006/relationships" xmlns:p="http://schemas.openxmlformats.org/presentationml/2006/main">
   <p:cSld>
     <p:spTree>
@@ -7992,998 +9888,6 @@
     <p:extLst>
       <p:ext uri="{BB962C8B-B14F-4D97-AF65-F5344CB8AC3E}">
         <p14:creationId xmlns:p14="http://schemas.microsoft.com/office/powerpoint/2010/main" val="672539283"/>
-      </p:ext>
-    </p:extLst>
-  </p:cSld>
-  <p:clrMapOvr>
-    <a:masterClrMapping/>
-  </p:clrMapOvr>
-  <mc:AlternateContent xmlns:mc="http://schemas.openxmlformats.org/markup-compatibility/2006" xmlns:p14="http://schemas.microsoft.com/office/powerpoint/2010/main">
-    <mc:Choice Requires="p14">
-      <p:transition spd="med" p14:dur="700">
-        <p:fade/>
-      </p:transition>
-    </mc:Choice>
-    <mc:Fallback xmlns="">
-      <p:transition spd="med">
-        <p:fade/>
-      </p:transition>
-    </mc:Fallback>
-  </mc:AlternateContent>
-</p:sld>
-</file>
-
-<file path=ppt/slides/slide7.xml><?xml version="1.0" encoding="utf-8"?>
-<p:sld xmlns:a="http://schemas.openxmlformats.org/drawingml/2006/main" xmlns:r="http://schemas.openxmlformats.org/officeDocument/2006/relationships" xmlns:p="http://schemas.openxmlformats.org/presentationml/2006/main">
-  <p:cSld>
-    <p:spTree>
-      <p:nvGrpSpPr>
-        <p:cNvPr id="1" name=""/>
-        <p:cNvGrpSpPr/>
-        <p:nvPr/>
-      </p:nvGrpSpPr>
-      <p:grpSpPr>
-        <a:xfrm>
-          <a:off x="0" y="0"/>
-          <a:ext cx="0" cy="0"/>
-          <a:chOff x="0" y="0"/>
-          <a:chExt cx="0" cy="0"/>
-        </a:xfrm>
-      </p:grpSpPr>
-      <p:sp>
-        <p:nvSpPr>
-          <p:cNvPr id="3" name="Content Placeholder 2">
-            <a:extLst>
-              <a:ext uri="{FF2B5EF4-FFF2-40B4-BE49-F238E27FC236}">
-                <a16:creationId xmlns:a16="http://schemas.microsoft.com/office/drawing/2014/main" id="{B6A55F2E-1BB4-D588-F101-56C94AE81D58}"/>
-              </a:ext>
-            </a:extLst>
-          </p:cNvPr>
-          <p:cNvSpPr>
-            <a:spLocks noGrp="1"/>
-          </p:cNvSpPr>
-          <p:nvPr>
-            <p:ph idx="1"/>
-          </p:nvPr>
-        </p:nvSpPr>
-        <p:spPr>
-          <a:xfrm>
-            <a:off x="609600" y="1081825"/>
-            <a:ext cx="10972800" cy="5242775"/>
-          </a:xfrm>
-        </p:spPr>
-        <p:txBody>
-          <a:bodyPr/>
-          <a:lstStyle/>
-          <a:p>
-            <a:pPr marL="0" indent="0">
-              <a:buNone/>
-            </a:pPr>
-            <a:r>
-              <a:rPr lang="en-US" dirty="0"/>
-              <a:t>3. Two Way Binding</a:t>
-            </a:r>
-          </a:p>
-          <a:p>
-            <a:pPr marL="0" indent="0">
-              <a:buNone/>
-            </a:pPr>
-            <a:r>
-              <a:rPr lang="en-US" sz="2000" dirty="0"/>
-              <a:t>Vue.js juga </a:t>
-            </a:r>
-            <a:r>
-              <a:rPr lang="en-US" sz="2000" dirty="0" err="1"/>
-              <a:t>menyediakan</a:t>
-            </a:r>
-            <a:r>
-              <a:rPr lang="en-US" sz="2000" dirty="0"/>
-              <a:t> </a:t>
-            </a:r>
-            <a:r>
-              <a:rPr lang="en-US" sz="2000" dirty="0" err="1"/>
-              <a:t>fitur</a:t>
-            </a:r>
-            <a:r>
-              <a:rPr lang="en-US" sz="2000" dirty="0"/>
-              <a:t> two way data binding yang </a:t>
-            </a:r>
-            <a:r>
-              <a:rPr lang="en-US" sz="2000" dirty="0" err="1"/>
-              <a:t>artinya</a:t>
-            </a:r>
-            <a:r>
-              <a:rPr lang="en-US" sz="2000" dirty="0"/>
-              <a:t> </a:t>
-            </a:r>
-            <a:r>
-              <a:rPr lang="en-US" sz="2000" dirty="0" err="1"/>
-              <a:t>setiap</a:t>
-            </a:r>
-            <a:r>
-              <a:rPr lang="en-US" sz="2000" dirty="0"/>
-              <a:t> </a:t>
-            </a:r>
-            <a:r>
-              <a:rPr lang="en-US" sz="2000" dirty="0" err="1"/>
-              <a:t>perubahan</a:t>
-            </a:r>
-            <a:r>
-              <a:rPr lang="en-US" sz="2000" dirty="0"/>
-              <a:t> pada </a:t>
-            </a:r>
-            <a:r>
-              <a:rPr lang="en-US" sz="2000" dirty="0" err="1"/>
-              <a:t>javascript</a:t>
-            </a:r>
-            <a:r>
-              <a:rPr lang="en-US" sz="2000" dirty="0"/>
-              <a:t> </a:t>
-            </a:r>
-            <a:r>
-              <a:rPr lang="en-US" sz="2000" dirty="0" err="1"/>
-              <a:t>akan</a:t>
-            </a:r>
-            <a:r>
-              <a:rPr lang="en-US" sz="2000" dirty="0"/>
-              <a:t> </a:t>
-            </a:r>
-            <a:r>
-              <a:rPr lang="en-US" sz="2000" dirty="0" err="1"/>
-              <a:t>berpengaruh</a:t>
-            </a:r>
-            <a:r>
-              <a:rPr lang="en-US" sz="2000" dirty="0"/>
-              <a:t> pada view HTML dan </a:t>
-            </a:r>
-            <a:r>
-              <a:rPr lang="en-US" sz="2000" dirty="0" err="1"/>
-              <a:t>sebaliknya.Di</a:t>
-            </a:r>
-            <a:r>
-              <a:rPr lang="en-US" sz="2000" dirty="0"/>
-              <a:t> vue.js </a:t>
-            </a:r>
-            <a:r>
-              <a:rPr lang="en-US" sz="2000" dirty="0" err="1"/>
-              <a:t>kita</a:t>
-            </a:r>
-            <a:r>
-              <a:rPr lang="en-US" sz="2000" dirty="0"/>
-              <a:t> </a:t>
-            </a:r>
-            <a:r>
-              <a:rPr lang="en-US" sz="2000" dirty="0" err="1"/>
-              <a:t>menggunakan</a:t>
-            </a:r>
-            <a:r>
-              <a:rPr lang="en-US" sz="2000" dirty="0"/>
-              <a:t> </a:t>
-            </a:r>
-            <a:r>
-              <a:rPr lang="en-US" sz="2000" b="1" dirty="0"/>
-              <a:t>v-model</a:t>
-            </a:r>
-            <a:r>
-              <a:rPr lang="en-US" sz="2000" dirty="0"/>
-              <a:t> </a:t>
-            </a:r>
-            <a:r>
-              <a:rPr lang="en-US" sz="2000" dirty="0" err="1"/>
-              <a:t>untuk</a:t>
-            </a:r>
-            <a:r>
-              <a:rPr lang="en-US" sz="2000" dirty="0"/>
-              <a:t> </a:t>
-            </a:r>
-            <a:r>
-              <a:rPr lang="en-US" sz="2000" dirty="0" err="1"/>
-              <a:t>melakukan</a:t>
-            </a:r>
-            <a:r>
-              <a:rPr lang="en-US" sz="2000" dirty="0"/>
-              <a:t> two way binding dan </a:t>
-            </a:r>
-            <a:r>
-              <a:rPr lang="en-US" sz="2000" dirty="0" err="1"/>
-              <a:t>biasanya</a:t>
-            </a:r>
-            <a:r>
-              <a:rPr lang="en-US" sz="2000" dirty="0"/>
-              <a:t> </a:t>
-            </a:r>
-            <a:r>
-              <a:rPr lang="en-US" sz="2000" dirty="0" err="1"/>
-              <a:t>sering</a:t>
-            </a:r>
-            <a:r>
-              <a:rPr lang="en-US" sz="2000" dirty="0"/>
-              <a:t> </a:t>
-            </a:r>
-            <a:r>
-              <a:rPr lang="en-US" sz="2000" dirty="0" err="1"/>
-              <a:t>ditempelkan</a:t>
-            </a:r>
-            <a:r>
-              <a:rPr lang="en-US" sz="2000" dirty="0"/>
-              <a:t> pada </a:t>
-            </a:r>
-            <a:r>
-              <a:rPr lang="en-US" sz="2000" dirty="0" err="1"/>
-              <a:t>elemen</a:t>
-            </a:r>
-            <a:r>
-              <a:rPr lang="en-US" sz="2000" dirty="0"/>
-              <a:t> input HTML.</a:t>
-            </a:r>
-          </a:p>
-          <a:p>
-            <a:pPr marL="0" indent="0">
-              <a:buNone/>
-            </a:pPr>
-            <a:endParaRPr lang="en-US" sz="2000" dirty="0"/>
-          </a:p>
-        </p:txBody>
-      </p:sp>
-      <p:pic>
-        <p:nvPicPr>
-          <p:cNvPr id="6" name="Picture 5">
-            <a:extLst>
-              <a:ext uri="{FF2B5EF4-FFF2-40B4-BE49-F238E27FC236}">
-                <a16:creationId xmlns:a16="http://schemas.microsoft.com/office/drawing/2014/main" id="{A50DBFCC-F504-54AA-BB3D-8393EA5179E5}"/>
-              </a:ext>
-            </a:extLst>
-          </p:cNvPr>
-          <p:cNvPicPr>
-            <a:picLocks noChangeAspect="1"/>
-          </p:cNvPicPr>
-          <p:nvPr/>
-        </p:nvPicPr>
-        <p:blipFill>
-          <a:blip r:embed="rId2">
-            <a:extLst>
-              <a:ext uri="{28A0092B-C50C-407E-A947-70E740481C1C}">
-                <a14:useLocalDpi xmlns:a14="http://schemas.microsoft.com/office/drawing/2010/main" val="0"/>
-              </a:ext>
-            </a:extLst>
-          </a:blip>
-          <a:stretch>
-            <a:fillRect/>
-          </a:stretch>
-        </p:blipFill>
-        <p:spPr>
-          <a:xfrm>
-            <a:off x="609599" y="2956864"/>
-            <a:ext cx="4600217" cy="1344680"/>
-          </a:xfrm>
-          <a:prstGeom prst="rect">
-            <a:avLst/>
-          </a:prstGeom>
-        </p:spPr>
-      </p:pic>
-    </p:spTree>
-    <p:extLst>
-      <p:ext uri="{BB962C8B-B14F-4D97-AF65-F5344CB8AC3E}">
-        <p14:creationId xmlns:p14="http://schemas.microsoft.com/office/powerpoint/2010/main" val="2056852325"/>
-      </p:ext>
-    </p:extLst>
-  </p:cSld>
-  <p:clrMapOvr>
-    <a:masterClrMapping/>
-  </p:clrMapOvr>
-  <mc:AlternateContent xmlns:mc="http://schemas.openxmlformats.org/markup-compatibility/2006" xmlns:p14="http://schemas.microsoft.com/office/powerpoint/2010/main">
-    <mc:Choice Requires="p14">
-      <p:transition spd="med" p14:dur="700">
-        <p:fade/>
-      </p:transition>
-    </mc:Choice>
-    <mc:Fallback xmlns="">
-      <p:transition spd="med">
-        <p:fade/>
-      </p:transition>
-    </mc:Fallback>
-  </mc:AlternateContent>
-</p:sld>
-</file>
-
-<file path=ppt/slides/slide8.xml><?xml version="1.0" encoding="utf-8"?>
-<p:sld xmlns:a="http://schemas.openxmlformats.org/drawingml/2006/main" xmlns:r="http://schemas.openxmlformats.org/officeDocument/2006/relationships" xmlns:p="http://schemas.openxmlformats.org/presentationml/2006/main">
-  <p:cSld>
-    <p:spTree>
-      <p:nvGrpSpPr>
-        <p:cNvPr id="1" name=""/>
-        <p:cNvGrpSpPr/>
-        <p:nvPr/>
-      </p:nvGrpSpPr>
-      <p:grpSpPr>
-        <a:xfrm>
-          <a:off x="0" y="0"/>
-          <a:ext cx="0" cy="0"/>
-          <a:chOff x="0" y="0"/>
-          <a:chExt cx="0" cy="0"/>
-        </a:xfrm>
-      </p:grpSpPr>
-      <p:sp>
-        <p:nvSpPr>
-          <p:cNvPr id="3" name="Content Placeholder 2">
-            <a:extLst>
-              <a:ext uri="{FF2B5EF4-FFF2-40B4-BE49-F238E27FC236}">
-                <a16:creationId xmlns:a16="http://schemas.microsoft.com/office/drawing/2014/main" id="{D2F95EFB-19D1-60AF-CEAC-AE96AC647ACE}"/>
-              </a:ext>
-            </a:extLst>
-          </p:cNvPr>
-          <p:cNvSpPr>
-            <a:spLocks noGrp="1"/>
-          </p:cNvSpPr>
-          <p:nvPr>
-            <p:ph idx="1"/>
-          </p:nvPr>
-        </p:nvSpPr>
-        <p:spPr>
-          <a:xfrm>
-            <a:off x="609600" y="1056068"/>
-            <a:ext cx="10972800" cy="5268532"/>
-          </a:xfrm>
-        </p:spPr>
-        <p:txBody>
-          <a:bodyPr/>
-          <a:lstStyle/>
-          <a:p>
-            <a:pPr marL="0" indent="0">
-              <a:buNone/>
-            </a:pPr>
-            <a:r>
-              <a:rPr lang="en-US" dirty="0"/>
-              <a:t>4. Event Binding</a:t>
-            </a:r>
-          </a:p>
-          <a:p>
-            <a:pPr marL="0" indent="0">
-              <a:buNone/>
-            </a:pPr>
-            <a:r>
-              <a:rPr lang="en-US" sz="2000" dirty="0" err="1"/>
-              <a:t>Untuk</a:t>
-            </a:r>
-            <a:r>
-              <a:rPr lang="en-US" sz="2000" dirty="0"/>
-              <a:t> </a:t>
-            </a:r>
-            <a:r>
-              <a:rPr lang="en-US" sz="2000" dirty="0" err="1"/>
-              <a:t>memanggil</a:t>
-            </a:r>
-            <a:r>
-              <a:rPr lang="en-US" sz="2000" dirty="0"/>
-              <a:t> </a:t>
-            </a:r>
-            <a:r>
-              <a:rPr lang="en-US" sz="2000" dirty="0" err="1"/>
-              <a:t>suatu</a:t>
-            </a:r>
-            <a:r>
-              <a:rPr lang="en-US" sz="2000" dirty="0"/>
-              <a:t> event pada </a:t>
-            </a:r>
-            <a:r>
-              <a:rPr lang="en-US" sz="2000" dirty="0" err="1"/>
-              <a:t>javascript</a:t>
-            </a:r>
-            <a:r>
-              <a:rPr lang="en-US" sz="2000" dirty="0"/>
-              <a:t>, Vue.js </a:t>
-            </a:r>
-            <a:r>
-              <a:rPr lang="en-US" sz="2000" dirty="0" err="1"/>
-              <a:t>menggunakan</a:t>
-            </a:r>
-            <a:r>
-              <a:rPr lang="en-US" sz="2000" dirty="0"/>
-              <a:t> </a:t>
-            </a:r>
-            <a:r>
-              <a:rPr lang="en-US" sz="2000" b="1" dirty="0"/>
-              <a:t>v-on</a:t>
-            </a:r>
-            <a:r>
-              <a:rPr lang="en-US" sz="2000" dirty="0"/>
-              <a:t> </a:t>
-            </a:r>
-            <a:r>
-              <a:rPr lang="en-US" sz="2000" dirty="0" err="1"/>
-              <a:t>didalam</a:t>
-            </a:r>
-            <a:r>
-              <a:rPr lang="en-US" sz="2000" dirty="0"/>
-              <a:t> HTML template </a:t>
-            </a:r>
-            <a:r>
-              <a:rPr lang="en-US" sz="2000" dirty="0" err="1"/>
-              <a:t>diikuti</a:t>
-            </a:r>
-            <a:r>
-              <a:rPr lang="en-US" sz="2000" dirty="0"/>
-              <a:t> hook event yang </a:t>
-            </a:r>
-            <a:r>
-              <a:rPr lang="en-US" sz="2000" dirty="0" err="1"/>
-              <a:t>akan</a:t>
-            </a:r>
-            <a:r>
-              <a:rPr lang="en-US" sz="2000" dirty="0"/>
-              <a:t> </a:t>
-            </a:r>
-            <a:r>
-              <a:rPr lang="en-US" sz="2000" dirty="0" err="1"/>
-              <a:t>ditambahkan.Kita</a:t>
-            </a:r>
-            <a:r>
-              <a:rPr lang="en-US" sz="2000" dirty="0"/>
-              <a:t> </a:t>
-            </a:r>
-            <a:r>
-              <a:rPr lang="en-US" sz="2000" dirty="0" err="1"/>
-              <a:t>bisa</a:t>
-            </a:r>
-            <a:r>
-              <a:rPr lang="en-US" sz="2000" dirty="0"/>
-              <a:t> </a:t>
-            </a:r>
-            <a:r>
-              <a:rPr lang="en-US" sz="2000" dirty="0" err="1"/>
-              <a:t>menggunakan</a:t>
-            </a:r>
-            <a:r>
-              <a:rPr lang="en-US" sz="2000" dirty="0"/>
-              <a:t> </a:t>
-            </a:r>
-            <a:r>
-              <a:rPr lang="en-US" sz="2000" dirty="0" err="1"/>
-              <a:t>berbagai</a:t>
-            </a:r>
-            <a:r>
-              <a:rPr lang="en-US" sz="2000" dirty="0"/>
-              <a:t> </a:t>
-            </a:r>
-            <a:r>
-              <a:rPr lang="en-US" sz="2000" dirty="0" err="1"/>
-              <a:t>variasi</a:t>
-            </a:r>
-            <a:r>
-              <a:rPr lang="en-US" sz="2000" dirty="0"/>
-              <a:t> </a:t>
-            </a:r>
-            <a:r>
-              <a:rPr lang="en-US" sz="2000" b="1" dirty="0"/>
-              <a:t>v-on</a:t>
-            </a:r>
-            <a:r>
-              <a:rPr lang="en-US" sz="2000" dirty="0"/>
-              <a:t> </a:t>
-            </a:r>
-            <a:r>
-              <a:rPr lang="en-US" sz="2000" dirty="0" err="1"/>
-              <a:t>seperti</a:t>
-            </a:r>
-            <a:r>
-              <a:rPr lang="en-US" sz="2000" dirty="0"/>
-              <a:t> </a:t>
-            </a:r>
-            <a:r>
-              <a:rPr lang="en-US" sz="2000" b="1" dirty="0" err="1"/>
-              <a:t>v-on:click</a:t>
-            </a:r>
-            <a:r>
-              <a:rPr lang="en-US" sz="2000" b="1" dirty="0"/>
-              <a:t>, </a:t>
-            </a:r>
-            <a:r>
-              <a:rPr lang="en-US" sz="2000" b="1" dirty="0" err="1"/>
-              <a:t>v-on:blur</a:t>
-            </a:r>
-            <a:r>
-              <a:rPr lang="en-US" sz="2000" b="1" dirty="0"/>
-              <a:t>, </a:t>
-            </a:r>
-            <a:r>
-              <a:rPr lang="en-US" sz="2000" b="1" dirty="0" err="1"/>
-              <a:t>v-on:focus</a:t>
-            </a:r>
-            <a:r>
-              <a:rPr lang="en-US" sz="2000" b="1" dirty="0"/>
-              <a:t>, </a:t>
-            </a:r>
-            <a:r>
-              <a:rPr lang="en-US" sz="2000" b="1" dirty="0" err="1"/>
-              <a:t>v-on:change</a:t>
-            </a:r>
-            <a:r>
-              <a:rPr lang="en-US" sz="2000" dirty="0"/>
-              <a:t> dan </a:t>
-            </a:r>
-            <a:r>
-              <a:rPr lang="en-US" sz="2000" dirty="0" err="1"/>
-              <a:t>sebagainya</a:t>
-            </a:r>
-            <a:r>
-              <a:rPr lang="en-US" sz="2000" dirty="0"/>
-              <a:t>.</a:t>
-            </a:r>
-          </a:p>
-          <a:p>
-            <a:pPr marL="0" indent="0">
-              <a:buNone/>
-            </a:pPr>
-            <a:endParaRPr lang="en-US" sz="2000" b="1" dirty="0"/>
-          </a:p>
-          <a:p>
-            <a:pPr marL="0" indent="0">
-              <a:buNone/>
-            </a:pPr>
-            <a:endParaRPr lang="en-US" sz="2000" b="1" dirty="0"/>
-          </a:p>
-          <a:p>
-            <a:pPr marL="0" indent="0">
-              <a:buNone/>
-            </a:pPr>
-            <a:endParaRPr lang="en-US" sz="2000" b="1" dirty="0"/>
-          </a:p>
-          <a:p>
-            <a:pPr marL="0" indent="0">
-              <a:buNone/>
-            </a:pPr>
-            <a:endParaRPr lang="en-US" sz="2000" b="1" dirty="0"/>
-          </a:p>
-          <a:p>
-            <a:pPr marL="0" indent="0">
-              <a:buNone/>
-            </a:pPr>
-            <a:r>
-              <a:rPr lang="en-US" sz="2000" dirty="0"/>
-              <a:t>Vue.js </a:t>
-            </a:r>
-            <a:r>
-              <a:rPr lang="en-US" sz="2000" dirty="0" err="1"/>
-              <a:t>menyediakan</a:t>
-            </a:r>
-            <a:r>
-              <a:rPr lang="en-US" sz="2000" dirty="0"/>
-              <a:t> shortcut </a:t>
-            </a:r>
-            <a:r>
-              <a:rPr lang="en-US" sz="2000" dirty="0" err="1"/>
-              <a:t>untuk</a:t>
-            </a:r>
-            <a:r>
-              <a:rPr lang="en-US" sz="2000" dirty="0"/>
-              <a:t> </a:t>
-            </a:r>
-            <a:r>
-              <a:rPr lang="en-US" sz="2000" dirty="0" err="1"/>
-              <a:t>melakukan</a:t>
-            </a:r>
-            <a:r>
-              <a:rPr lang="en-US" sz="2000" dirty="0"/>
-              <a:t> event binding</a:t>
-            </a:r>
-          </a:p>
-          <a:p>
-            <a:pPr marL="0" indent="0">
-              <a:buNone/>
-            </a:pPr>
-            <a:r>
-              <a:rPr lang="en-US" sz="2000" dirty="0" err="1"/>
-              <a:t>Yaitu</a:t>
-            </a:r>
-            <a:r>
-              <a:rPr lang="en-US" sz="2000" dirty="0"/>
-              <a:t> </a:t>
-            </a:r>
-            <a:r>
-              <a:rPr lang="en-US" sz="2000" dirty="0" err="1"/>
-              <a:t>menggunakan</a:t>
-            </a:r>
-            <a:r>
-              <a:rPr lang="en-US" sz="2000" dirty="0"/>
-              <a:t> </a:t>
-            </a:r>
-            <a:r>
-              <a:rPr lang="en-US" sz="2000" b="1" dirty="0"/>
-              <a:t>@</a:t>
-            </a:r>
-            <a:r>
-              <a:rPr lang="en-US" sz="2000" dirty="0"/>
-              <a:t>, </a:t>
-            </a:r>
-            <a:r>
-              <a:rPr lang="en-US" sz="2000" dirty="0" err="1"/>
-              <a:t>sehingga</a:t>
-            </a:r>
-            <a:r>
-              <a:rPr lang="en-US" sz="2000" dirty="0"/>
-              <a:t> </a:t>
-            </a:r>
-            <a:r>
-              <a:rPr lang="en-US" sz="2000" dirty="0" err="1"/>
-              <a:t>penulisan</a:t>
-            </a:r>
-            <a:r>
-              <a:rPr lang="en-US" sz="2000" dirty="0"/>
-              <a:t> </a:t>
-            </a:r>
-            <a:r>
-              <a:rPr lang="en-US" sz="2000" dirty="0" err="1"/>
-              <a:t>nya</a:t>
-            </a:r>
-            <a:r>
-              <a:rPr lang="en-US" sz="2000" dirty="0"/>
-              <a:t> </a:t>
-            </a:r>
-            <a:r>
-              <a:rPr lang="en-US" sz="2000" dirty="0" err="1"/>
-              <a:t>menjadi</a:t>
-            </a:r>
-            <a:r>
-              <a:rPr lang="en-US" sz="2000" dirty="0"/>
-              <a:t>:</a:t>
-            </a:r>
-          </a:p>
-          <a:p>
-            <a:pPr marL="0" indent="0">
-              <a:buNone/>
-            </a:pPr>
-            <a:r>
-              <a:rPr lang="en-US" sz="2000" b="1" dirty="0"/>
-              <a:t>@click, @blur, @focus, @change</a:t>
-            </a:r>
-          </a:p>
-        </p:txBody>
-      </p:sp>
-      <p:pic>
-        <p:nvPicPr>
-          <p:cNvPr id="5" name="Picture 4">
-            <a:extLst>
-              <a:ext uri="{FF2B5EF4-FFF2-40B4-BE49-F238E27FC236}">
-                <a16:creationId xmlns:a16="http://schemas.microsoft.com/office/drawing/2014/main" id="{490A4E5E-8860-D945-34E2-9E67E4A591E0}"/>
-              </a:ext>
-            </a:extLst>
-          </p:cNvPr>
-          <p:cNvPicPr>
-            <a:picLocks noChangeAspect="1"/>
-          </p:cNvPicPr>
-          <p:nvPr/>
-        </p:nvPicPr>
-        <p:blipFill>
-          <a:blip r:embed="rId2">
-            <a:extLst>
-              <a:ext uri="{28A0092B-C50C-407E-A947-70E740481C1C}">
-                <a14:useLocalDpi xmlns:a14="http://schemas.microsoft.com/office/drawing/2010/main" val="0"/>
-              </a:ext>
-            </a:extLst>
-          </a:blip>
-          <a:stretch>
-            <a:fillRect/>
-          </a:stretch>
-        </p:blipFill>
-        <p:spPr>
-          <a:xfrm>
-            <a:off x="708207" y="2638196"/>
-            <a:ext cx="6627195" cy="955010"/>
-          </a:xfrm>
-          <a:prstGeom prst="rect">
-            <a:avLst/>
-          </a:prstGeom>
-        </p:spPr>
-      </p:pic>
-      <p:pic>
-        <p:nvPicPr>
-          <p:cNvPr id="7" name="Picture 6">
-            <a:extLst>
-              <a:ext uri="{FF2B5EF4-FFF2-40B4-BE49-F238E27FC236}">
-                <a16:creationId xmlns:a16="http://schemas.microsoft.com/office/drawing/2014/main" id="{9071A47D-AC20-2F70-6B5E-C63B4D4D1253}"/>
-              </a:ext>
-            </a:extLst>
-          </p:cNvPr>
-          <p:cNvPicPr>
-            <a:picLocks noChangeAspect="1"/>
-          </p:cNvPicPr>
-          <p:nvPr/>
-        </p:nvPicPr>
-        <p:blipFill>
-          <a:blip r:embed="rId3">
-            <a:extLst>
-              <a:ext uri="{28A0092B-C50C-407E-A947-70E740481C1C}">
-                <a14:useLocalDpi xmlns:a14="http://schemas.microsoft.com/office/drawing/2010/main" val="0"/>
-              </a:ext>
-            </a:extLst>
-          </a:blip>
-          <a:stretch>
-            <a:fillRect/>
-          </a:stretch>
-        </p:blipFill>
-        <p:spPr>
-          <a:xfrm>
-            <a:off x="7820495" y="2638196"/>
-            <a:ext cx="3761905" cy="2866667"/>
-          </a:xfrm>
-          <a:prstGeom prst="rect">
-            <a:avLst/>
-          </a:prstGeom>
-        </p:spPr>
-      </p:pic>
-    </p:spTree>
-    <p:extLst>
-      <p:ext uri="{BB962C8B-B14F-4D97-AF65-F5344CB8AC3E}">
-        <p14:creationId xmlns:p14="http://schemas.microsoft.com/office/powerpoint/2010/main" val="3138137776"/>
-      </p:ext>
-    </p:extLst>
-  </p:cSld>
-  <p:clrMapOvr>
-    <a:masterClrMapping/>
-  </p:clrMapOvr>
-  <mc:AlternateContent xmlns:mc="http://schemas.openxmlformats.org/markup-compatibility/2006" xmlns:p14="http://schemas.microsoft.com/office/powerpoint/2010/main">
-    <mc:Choice Requires="p14">
-      <p:transition spd="med" p14:dur="700">
-        <p:fade/>
-      </p:transition>
-    </mc:Choice>
-    <mc:Fallback xmlns="">
-      <p:transition spd="med">
-        <p:fade/>
-      </p:transition>
-    </mc:Fallback>
-  </mc:AlternateContent>
-</p:sld>
-</file>
-
-<file path=ppt/slides/slide9.xml><?xml version="1.0" encoding="utf-8"?>
-<p:sld xmlns:a="http://schemas.openxmlformats.org/drawingml/2006/main" xmlns:r="http://schemas.openxmlformats.org/officeDocument/2006/relationships" xmlns:p="http://schemas.openxmlformats.org/presentationml/2006/main">
-  <p:cSld>
-    <p:spTree>
-      <p:nvGrpSpPr>
-        <p:cNvPr id="1" name=""/>
-        <p:cNvGrpSpPr/>
-        <p:nvPr/>
-      </p:nvGrpSpPr>
-      <p:grpSpPr>
-        <a:xfrm>
-          <a:off x="0" y="0"/>
-          <a:ext cx="0" cy="0"/>
-          <a:chOff x="0" y="0"/>
-          <a:chExt cx="0" cy="0"/>
-        </a:xfrm>
-      </p:grpSpPr>
-      <p:sp>
-        <p:nvSpPr>
-          <p:cNvPr id="2" name="Title 1">
-            <a:extLst>
-              <a:ext uri="{FF2B5EF4-FFF2-40B4-BE49-F238E27FC236}">
-                <a16:creationId xmlns:a16="http://schemas.microsoft.com/office/drawing/2014/main" id="{98C179DA-BA6B-40B8-55B2-1B04CC3B3395}"/>
-              </a:ext>
-            </a:extLst>
-          </p:cNvPr>
-          <p:cNvSpPr>
-            <a:spLocks noGrp="1"/>
-          </p:cNvSpPr>
-          <p:nvPr>
-            <p:ph type="title"/>
-          </p:nvPr>
-        </p:nvSpPr>
-        <p:spPr/>
-        <p:txBody>
-          <a:bodyPr/>
-          <a:lstStyle/>
-          <a:p>
-            <a:r>
-              <a:rPr lang="en-US" dirty="0"/>
-              <a:t>Data, Methods dan Props</a:t>
-            </a:r>
-          </a:p>
-        </p:txBody>
-      </p:sp>
-      <p:sp>
-        <p:nvSpPr>
-          <p:cNvPr id="3" name="Content Placeholder 2">
-            <a:extLst>
-              <a:ext uri="{FF2B5EF4-FFF2-40B4-BE49-F238E27FC236}">
-                <a16:creationId xmlns:a16="http://schemas.microsoft.com/office/drawing/2014/main" id="{C0F3BBF9-1223-A34C-13A1-DFB8B27F9F30}"/>
-              </a:ext>
-            </a:extLst>
-          </p:cNvPr>
-          <p:cNvSpPr>
-            <a:spLocks noGrp="1"/>
-          </p:cNvSpPr>
-          <p:nvPr>
-            <p:ph idx="1"/>
-          </p:nvPr>
-        </p:nvSpPr>
-        <p:spPr/>
-        <p:txBody>
-          <a:bodyPr/>
-          <a:lstStyle/>
-          <a:p>
-            <a:pPr marL="0" indent="0">
-              <a:buNone/>
-            </a:pPr>
-            <a:r>
-              <a:rPr lang="en-US" dirty="0"/>
-              <a:t>Ketika </a:t>
-            </a:r>
-            <a:r>
-              <a:rPr lang="en-US" dirty="0" err="1"/>
-              <a:t>menggunakan</a:t>
-            </a:r>
-            <a:r>
-              <a:rPr lang="en-US" dirty="0"/>
-              <a:t> Vue.js </a:t>
-            </a:r>
-            <a:r>
-              <a:rPr lang="en-US" dirty="0" err="1"/>
-              <a:t>kita</a:t>
-            </a:r>
-            <a:r>
-              <a:rPr lang="en-US" dirty="0"/>
-              <a:t> </a:t>
-            </a:r>
-            <a:r>
-              <a:rPr lang="en-US" dirty="0" err="1"/>
-              <a:t>akan</a:t>
-            </a:r>
-            <a:r>
-              <a:rPr lang="en-US" dirty="0"/>
-              <a:t> </a:t>
-            </a:r>
-            <a:r>
-              <a:rPr lang="en-US" dirty="0" err="1"/>
-              <a:t>sering</a:t>
-            </a:r>
-            <a:r>
-              <a:rPr lang="en-US" dirty="0"/>
-              <a:t> </a:t>
-            </a:r>
-            <a:r>
-              <a:rPr lang="en-US" dirty="0" err="1"/>
-              <a:t>menggunakan</a:t>
-            </a:r>
-            <a:r>
-              <a:rPr lang="en-US" dirty="0"/>
-              <a:t> </a:t>
-            </a:r>
-            <a:r>
-              <a:rPr lang="en-US" dirty="0" err="1"/>
-              <a:t>dengan</a:t>
-            </a:r>
-            <a:r>
-              <a:rPr lang="en-US" dirty="0"/>
-              <a:t> data, methods dan juga props.</a:t>
-            </a:r>
-          </a:p>
-          <a:p>
-            <a:pPr marL="514350" indent="-514350">
-              <a:buAutoNum type="arabicPeriod"/>
-            </a:pPr>
-            <a:r>
-              <a:rPr lang="en-US" dirty="0"/>
-              <a:t>Data</a:t>
-            </a:r>
-          </a:p>
-          <a:p>
-            <a:pPr marL="0" indent="0">
-              <a:buNone/>
-            </a:pPr>
-            <a:r>
-              <a:rPr lang="en-US" dirty="0"/>
-              <a:t>Data </a:t>
-            </a:r>
-            <a:r>
-              <a:rPr lang="en-US" dirty="0" err="1"/>
-              <a:t>dalam</a:t>
-            </a:r>
-            <a:r>
-              <a:rPr lang="en-US" dirty="0"/>
-              <a:t> Vue.js </a:t>
-            </a:r>
-            <a:r>
-              <a:rPr lang="en-US" dirty="0" err="1"/>
-              <a:t>merupakan</a:t>
-            </a:r>
-            <a:r>
-              <a:rPr lang="en-US" dirty="0"/>
-              <a:t> </a:t>
-            </a:r>
-            <a:r>
-              <a:rPr lang="en-US" dirty="0" err="1"/>
-              <a:t>sekumpulan</a:t>
-            </a:r>
-            <a:r>
-              <a:rPr lang="en-US" dirty="0"/>
-              <a:t> variable yang </a:t>
-            </a:r>
-            <a:r>
-              <a:rPr lang="en-US" dirty="0" err="1"/>
-              <a:t>digunakan</a:t>
-            </a:r>
-            <a:r>
-              <a:rPr lang="en-US" dirty="0"/>
-              <a:t> oleh HTML template dan </a:t>
-            </a:r>
-            <a:r>
-              <a:rPr lang="en-US" dirty="0" err="1"/>
-              <a:t>dapat</a:t>
-            </a:r>
-            <a:r>
-              <a:rPr lang="en-US" dirty="0"/>
-              <a:t> </a:t>
-            </a:r>
-            <a:r>
-              <a:rPr lang="en-US" dirty="0" err="1"/>
-              <a:t>dimanipulasi</a:t>
-            </a:r>
-            <a:r>
-              <a:rPr lang="en-US" dirty="0"/>
-              <a:t> dan </a:t>
-            </a:r>
-            <a:r>
-              <a:rPr lang="en-US" dirty="0" err="1"/>
-              <a:t>dimanfaatkan</a:t>
-            </a:r>
-            <a:r>
-              <a:rPr lang="en-US" dirty="0"/>
-              <a:t> oleh internal </a:t>
-            </a:r>
-            <a:r>
-              <a:rPr lang="en-US" dirty="0" err="1"/>
-              <a:t>komponen</a:t>
-            </a:r>
-            <a:r>
-              <a:rPr lang="en-US" dirty="0"/>
-              <a:t> masing-masing dan </a:t>
-            </a:r>
-            <a:r>
-              <a:rPr lang="en-US" dirty="0" err="1"/>
-              <a:t>tidak</a:t>
-            </a:r>
-            <a:r>
-              <a:rPr lang="en-US" dirty="0"/>
-              <a:t> </a:t>
-            </a:r>
-            <a:r>
-              <a:rPr lang="en-US" dirty="0" err="1"/>
-              <a:t>dapat</a:t>
-            </a:r>
-            <a:r>
-              <a:rPr lang="en-US" dirty="0"/>
-              <a:t> </a:t>
-            </a:r>
-            <a:r>
-              <a:rPr lang="en-US" dirty="0" err="1"/>
-              <a:t>diakses</a:t>
-            </a:r>
-            <a:r>
-              <a:rPr lang="en-US" dirty="0"/>
-              <a:t> oleh </a:t>
-            </a:r>
-            <a:r>
-              <a:rPr lang="en-US" dirty="0" err="1"/>
-              <a:t>komponen</a:t>
-            </a:r>
-            <a:r>
-              <a:rPr lang="en-US" dirty="0"/>
-              <a:t> lain.</a:t>
-            </a:r>
-          </a:p>
-          <a:p>
-            <a:pPr marL="0" indent="0">
-              <a:buNone/>
-            </a:pPr>
-            <a:endParaRPr lang="en-US" dirty="0"/>
-          </a:p>
-        </p:txBody>
-      </p:sp>
-    </p:spTree>
-    <p:extLst>
-      <p:ext uri="{BB962C8B-B14F-4D97-AF65-F5344CB8AC3E}">
-        <p14:creationId xmlns:p14="http://schemas.microsoft.com/office/powerpoint/2010/main" val="3113700013"/>
       </p:ext>
     </p:extLst>
   </p:cSld>
